--- a/for project protection/Черновик презентации.pptx
+++ b/for project protection/Черновик презентации.pptx
@@ -199,7 +199,7 @@
           <a:p>
             <a:fld id="{C442EC51-F955-4457-8F39-ED48CB356DB0}" type="datetimeFigureOut">
               <a:rPr lang="en-US" smtClean="0"/>
-              <a:t>1/21/2025</a:t>
+              <a:t>1/28/2025</a:t>
             </a:fld>
             <a:endParaRPr lang="en-US"/>
           </a:p>
@@ -5807,7 +5807,7 @@
           <a:p>
             <a:fld id="{4D66383F-9536-4B63-8B71-9250C2E5070C}" type="datetimeFigureOut">
               <a:rPr lang="en-US" smtClean="0"/>
-              <a:t>1/21/2025</a:t>
+              <a:t>1/28/2025</a:t>
             </a:fld>
             <a:endParaRPr lang="en-US"/>
           </a:p>
@@ -18654,7 +18654,7 @@
           <a:p>
             <a:fld id="{E03B7ED9-F57E-4011-AACC-D73E6795F401}" type="datetimeFigureOut">
               <a:rPr lang="en-US" smtClean="0"/>
-              <a:t>1/21/2025</a:t>
+              <a:t>1/28/2025</a:t>
             </a:fld>
             <a:endParaRPr lang="en-US"/>
           </a:p>
@@ -19321,34 +19321,6 @@
           </a:p>
         </p:txBody>
       </p:sp>
-      <p:sp>
-        <p:nvSpPr>
-          <p:cNvPr id="4" name="Текстов контейнер 3"/>
-          <p:cNvSpPr>
-            <a:spLocks noGrp="1" noEditPoints="1"/>
-          </p:cNvSpPr>
-          <p:nvPr>
-            <p:ph type="body" sz="quarter" idx="13"/>
-          </p:nvPr>
-        </p:nvSpPr>
-        <p:spPr>
-          <a:xfrm>
-            <a:off x="5444836" y="1877599"/>
-            <a:ext cx="722284" cy="1650910"/>
-          </a:xfrm>
-        </p:spPr>
-        <p:txBody>
-          <a:bodyPr/>
-          <a:lstStyle/>
-          <a:p>
-            <a:r>
-              <a:rPr lang="en-US" dirty="0"/>
-              <a:t>p.2</a:t>
-            </a:r>
-            <a:endParaRPr lang="bg-BG" dirty="0"/>
-          </a:p>
-        </p:txBody>
-      </p:sp>
     </p:spTree>
   </p:cSld>
   <p:clrMapOvr>
@@ -19360,6 +19332,16 @@
 <file path=ppt/slides/slide3.xml><?xml version="1.0" encoding="utf-8"?>
 <p:sld xmlns:a="http://schemas.openxmlformats.org/drawingml/2006/main" xmlns:r="http://schemas.openxmlformats.org/officeDocument/2006/relationships" xmlns:p="http://schemas.openxmlformats.org/presentationml/2006/main">
   <p:cSld>
+    <p:bg>
+      <p:bgPr>
+        <a:solidFill>
+          <a:schemeClr val="accent4">
+            <a:lumMod val="20000"/>
+            <a:lumOff val="80000"/>
+          </a:schemeClr>
+        </a:solidFill>
+      </p:bgPr>
+    </p:bg>
     <p:spTree>
       <p:nvGrpSpPr>
         <p:cNvPr id="1" name=""/>
@@ -19420,15 +19402,16 @@
             <p:ph type="subTitle" idx="1"/>
           </p:nvPr>
         </p:nvSpPr>
-        <p:spPr/>
+        <p:spPr>
+          <a:xfrm>
+            <a:off x="7934394" y="-2495284"/>
+            <a:ext cx="5764036" cy="531110"/>
+          </a:xfrm>
+        </p:spPr>
         <p:txBody>
           <a:bodyPr/>
           <a:lstStyle/>
           <a:p>
-            <a:r>
-              <a:rPr lang="en-US" dirty="0"/>
-              <a:t>A brief description of the slide content</a:t>
-            </a:r>
             <a:endParaRPr lang="bg-BG" dirty="0"/>
           </a:p>
         </p:txBody>
@@ -19458,6 +19441,31 @@
           </a:p>
         </p:txBody>
       </p:sp>
+      <p:pic>
+        <p:nvPicPr>
+          <p:cNvPr id="5" name="Изображение 4"/>
+          <p:cNvPicPr>
+            <a:picLocks noChangeAspect="1"/>
+          </p:cNvPicPr>
+          <p:nvPr/>
+        </p:nvPicPr>
+        <p:blipFill>
+          <a:blip r:embed="rId1"/>
+          <a:srcRect/>
+          <a:stretch>
+            <a:fillRect/>
+          </a:stretch>
+        </p:blipFill>
+        <p:spPr>
+          <a:xfrm>
+            <a:off x="2694207" y="1171082"/>
+            <a:ext cx="6643972" cy="4922959"/>
+          </a:xfrm>
+          <a:prstGeom prst="rect">
+            <a:avLst/>
+          </a:prstGeom>
+        </p:spPr>
+      </p:pic>
     </p:spTree>
   </p:cSld>
   <p:clrMapOvr>

--- a/for project protection/Черновик презентации.pptx
+++ b/for project protection/Черновик презентации.pptx
@@ -5,17 +5,17 @@
     <p:sldMasterId id="2147483648" r:id="rId1"/>
   </p:sldMasterIdLst>
   <p:notesMasterIdLst>
-    <p:notesMasterId r:id="rId2"/>
+    <p:notesMasterId r:id="rId10"/>
   </p:notesMasterIdLst>
   <p:sldIdLst>
-    <p:sldId id="257" r:id="rId3"/>
-    <p:sldId id="258" r:id="rId4"/>
-    <p:sldId id="259" r:id="rId5"/>
-    <p:sldId id="260" r:id="rId6"/>
-    <p:sldId id="261" r:id="rId7"/>
-    <p:sldId id="263" r:id="rId8"/>
-    <p:sldId id="262" r:id="rId9"/>
-    <p:sldId id="264" r:id="rId10"/>
+    <p:sldId id="257" r:id="rId2"/>
+    <p:sldId id="258" r:id="rId3"/>
+    <p:sldId id="259" r:id="rId4"/>
+    <p:sldId id="260" r:id="rId5"/>
+    <p:sldId id="261" r:id="rId6"/>
+    <p:sldId id="263" r:id="rId7"/>
+    <p:sldId id="262" r:id="rId8"/>
+    <p:sldId id="264" r:id="rId9"/>
   </p:sldIdLst>
   <p:sldSz cx="12192000" cy="6858000"/>
   <p:notesSz cx="6858000" cy="9144000"/>
@@ -114,6 +114,11 @@
       </a:defRPr>
     </a:lvl9pPr>
   </p:defaultTextStyle>
+  <p:extLst>
+    <p:ext uri="{EFAFB233-063F-42B5-8137-9DF3F51BA10A}">
+      <p15:sldGuideLst xmlns:p15="http://schemas.microsoft.com/office/powerpoint/2012/main"/>
+    </p:ext>
+  </p:extLst>
 </p:presentation>
 </file>
 
@@ -199,7 +204,7 @@
           <a:p>
             <a:fld id="{C442EC51-F955-4457-8F39-ED48CB356DB0}" type="datetimeFigureOut">
               <a:rPr lang="en-US" smtClean="0"/>
-              <a:t>1/21/2025</a:t>
+              <a:t>1/28/2025</a:t>
             </a:fld>
             <a:endParaRPr lang="en-US"/>
           </a:p>
@@ -366,7 +371,7 @@
     </p:spTree>
   </p:cSld>
   <p:clrMap bg1="lt1" tx1="dk1" bg2="lt2" tx2="dk2" accent1="accent1" accent2="accent2" accent3="accent3" accent4="accent4" accent5="accent5" accent6="accent6" hlink="hlink" folHlink="folHlink"/>
-  <p:hf dt="0" sldNum="0" hdr="0" ftr="0"/>
+  <p:hf sldNum="0" hdr="0" ftr="0" dt="0"/>
   <p:notesStyle>
     <a:lvl1pPr marL="0" algn="l" defTabSz="914400" rtl="0" eaLnBrk="1" latinLnBrk="0" hangingPunct="1">
       <a:defRPr sz="1200" kern="1200">
@@ -501,7 +506,9 @@
         <p:txBody>
           <a:bodyPr/>
           <a:lstStyle/>
-          <a:p/>
+          <a:p>
+            <a:endParaRPr/>
+          </a:p>
         </p:txBody>
       </p:sp>
       <p:sp>
@@ -548,7 +555,7 @@
           <a:p>
             <a:fld id="{BAAAFA88-AB8C-46C8-A935-4CA19ACF28C8}" type="slidenum">
               <a:rPr lang="en-US" smtClean="0"/>
-              <a:t>‹#›</a:t>
+              <a:t>1</a:t>
             </a:fld>
             <a:endParaRPr lang="en-US"/>
           </a:p>
@@ -601,7 +608,9 @@
         <p:txBody>
           <a:bodyPr/>
           <a:lstStyle/>
-          <a:p/>
+          <a:p>
+            <a:endParaRPr/>
+          </a:p>
         </p:txBody>
       </p:sp>
       <p:sp>
@@ -648,7 +657,7 @@
           <a:p>
             <a:fld id="{5C5C38AE-2065-4C29-B7DE-19E7ADAC8AB4}" type="slidenum">
               <a:rPr lang="en-US" smtClean="0"/>
-              <a:t>‹#›</a:t>
+              <a:t>2</a:t>
             </a:fld>
             <a:endParaRPr lang="en-US"/>
           </a:p>
@@ -701,7 +710,9 @@
         <p:txBody>
           <a:bodyPr/>
           <a:lstStyle/>
-          <a:p/>
+          <a:p>
+            <a:endParaRPr/>
+          </a:p>
         </p:txBody>
       </p:sp>
       <p:sp>
@@ -748,7 +759,7 @@
           <a:p>
             <a:fld id="{A5CC1A4B-6B99-407D-90C3-8D6C66EF05ED}" type="slidenum">
               <a:rPr lang="en-US" smtClean="0"/>
-              <a:t>‹#›</a:t>
+              <a:t>3</a:t>
             </a:fld>
             <a:endParaRPr lang="en-US"/>
           </a:p>
@@ -801,7 +812,9 @@
         <p:txBody>
           <a:bodyPr/>
           <a:lstStyle/>
-          <a:p/>
+          <a:p>
+            <a:endParaRPr/>
+          </a:p>
         </p:txBody>
       </p:sp>
       <p:sp>
@@ -848,7 +861,7 @@
           <a:p>
             <a:fld id="{7227748A-32DE-4FC0-91C6-262A44BFACCF}" type="slidenum">
               <a:rPr lang="en-US" smtClean="0"/>
-              <a:t>‹#›</a:t>
+              <a:t>4</a:t>
             </a:fld>
             <a:endParaRPr lang="en-US"/>
           </a:p>
@@ -901,7 +914,9 @@
         <p:txBody>
           <a:bodyPr/>
           <a:lstStyle/>
-          <a:p/>
+          <a:p>
+            <a:endParaRPr/>
+          </a:p>
         </p:txBody>
       </p:sp>
       <p:sp>
@@ -948,7 +963,7 @@
           <a:p>
             <a:fld id="{E464A918-DF43-4685-A0FA-68155F5041CD}" type="slidenum">
               <a:rPr lang="en-US" smtClean="0"/>
-              <a:t>‹#›</a:t>
+              <a:t>5</a:t>
             </a:fld>
             <a:endParaRPr lang="en-US"/>
           </a:p>
@@ -1001,7 +1016,9 @@
         <p:txBody>
           <a:bodyPr/>
           <a:lstStyle/>
-          <a:p/>
+          <a:p>
+            <a:endParaRPr/>
+          </a:p>
         </p:txBody>
       </p:sp>
       <p:sp>
@@ -1048,7 +1065,7 @@
           <a:p>
             <a:fld id="{B1123610-C197-4B37-930D-5CBD0DE0FBAD}" type="slidenum">
               <a:rPr lang="en-US" smtClean="0"/>
-              <a:t>‹#›</a:t>
+              <a:t>6</a:t>
             </a:fld>
             <a:endParaRPr lang="en-US"/>
           </a:p>
@@ -1101,7 +1118,9 @@
         <p:txBody>
           <a:bodyPr/>
           <a:lstStyle/>
-          <a:p/>
+          <a:p>
+            <a:endParaRPr/>
+          </a:p>
         </p:txBody>
       </p:sp>
       <p:sp>
@@ -1148,7 +1167,7 @@
           <a:p>
             <a:fld id="{C792B4AB-B428-474C-86F4-0688C7FC4F22}" type="slidenum">
               <a:rPr lang="en-US" smtClean="0"/>
-              <a:t>‹#›</a:t>
+              <a:t>7</a:t>
             </a:fld>
             <a:endParaRPr lang="en-US"/>
           </a:p>
@@ -1201,7 +1220,9 @@
         <p:txBody>
           <a:bodyPr/>
           <a:lstStyle/>
-          <a:p/>
+          <a:p>
+            <a:endParaRPr/>
+          </a:p>
         </p:txBody>
       </p:sp>
       <p:sp>
@@ -1248,7 +1269,7 @@
           <a:p>
             <a:fld id="{33CD9910-730C-4EE8-86D7-F41F31AA1A08}" type="slidenum">
               <a:rPr lang="en-US" smtClean="0"/>
-              <a:t>‹#›</a:t>
+              <a:t>8</a:t>
             </a:fld>
             <a:endParaRPr lang="en-US"/>
           </a:p>
@@ -1272,6 +1293,7 @@
             <a:lumMod val="50000"/>
           </a:schemeClr>
         </a:solidFill>
+        <a:effectLst/>
       </p:bgPr>
     </p:bg>
     <p:spTree>
@@ -1436,6 +1458,9 @@
             </a:xfrm>
             <a:custGeom>
               <a:avLst/>
+              <a:gdLst/>
+              <a:ahLst/>
+              <a:cxnLst/>
               <a:rect l="l" t="t" r="r" b="b"/>
               <a:pathLst>
                 <a:path w="7855" h="7776">
@@ -1590,6 +1615,9 @@
             </a:xfrm>
             <a:custGeom>
               <a:avLst/>
+              <a:gdLst/>
+              <a:ahLst/>
+              <a:cxnLst/>
               <a:rect l="l" t="t" r="r" b="b"/>
               <a:pathLst>
                 <a:path w="8293" h="8292">
@@ -1675,6 +1703,9 @@
             </a:xfrm>
             <a:custGeom>
               <a:avLst/>
+              <a:gdLst/>
+              <a:ahLst/>
+              <a:cxnLst/>
               <a:rect l="l" t="t" r="r" b="b"/>
               <a:pathLst>
                 <a:path w="5646" h="5644">
@@ -1760,6 +1791,9 @@
             </a:xfrm>
             <a:custGeom>
               <a:avLst/>
+              <a:gdLst/>
+              <a:ahLst/>
+              <a:cxnLst/>
               <a:rect l="l" t="t" r="r" b="b"/>
               <a:pathLst>
                 <a:path w="7138" h="7139">
@@ -1841,6 +1875,9 @@
               </a:xfrm>
               <a:custGeom>
                 <a:avLst/>
+                <a:gdLst/>
+                <a:ahLst/>
+                <a:cxnLst/>
                 <a:rect l="l" t="t" r="r" b="b"/>
                 <a:pathLst>
                   <a:path w="1030" h="1030">
@@ -1891,6 +1928,7 @@
                   </a:spcAft>
                   <a:buNone/>
                 </a:pPr>
+                <a:endParaRPr/>
               </a:p>
             </p:txBody>
           </p:sp>
@@ -1907,6 +1945,9 @@
               </a:xfrm>
               <a:custGeom>
                 <a:avLst/>
+                <a:gdLst/>
+                <a:ahLst/>
+                <a:cxnLst/>
                 <a:rect l="l" t="t" r="r" b="b"/>
                 <a:pathLst>
                   <a:path w="1026" h="1029">
@@ -1957,6 +1998,7 @@
                   </a:spcAft>
                   <a:buNone/>
                 </a:pPr>
+                <a:endParaRPr/>
               </a:p>
             </p:txBody>
           </p:sp>
@@ -1973,6 +2015,9 @@
               </a:xfrm>
               <a:custGeom>
                 <a:avLst/>
+                <a:gdLst/>
+                <a:ahLst/>
+                <a:cxnLst/>
                 <a:rect l="l" t="t" r="r" b="b"/>
                 <a:pathLst>
                   <a:path w="1029" h="1029">
@@ -2023,6 +2068,7 @@
                   </a:spcAft>
                   <a:buNone/>
                 </a:pPr>
+                <a:endParaRPr/>
               </a:p>
             </p:txBody>
           </p:sp>
@@ -2039,6 +2085,9 @@
               </a:xfrm>
               <a:custGeom>
                 <a:avLst/>
+                <a:gdLst/>
+                <a:ahLst/>
+                <a:cxnLst/>
                 <a:rect l="l" t="t" r="r" b="b"/>
                 <a:pathLst>
                   <a:path w="1030" h="1027">
@@ -2094,6 +2143,7 @@
                   </a:spcAft>
                   <a:buNone/>
                 </a:pPr>
+                <a:endParaRPr/>
               </a:p>
             </p:txBody>
           </p:sp>
@@ -2110,6 +2160,9 @@
               </a:xfrm>
               <a:custGeom>
                 <a:avLst/>
+                <a:gdLst/>
+                <a:ahLst/>
+                <a:cxnLst/>
                 <a:rect l="l" t="t" r="r" b="b"/>
                 <a:pathLst>
                   <a:path w="1029" h="1027">
@@ -2177,6 +2230,9 @@
               </a:xfrm>
               <a:custGeom>
                 <a:avLst/>
+                <a:gdLst/>
+                <a:ahLst/>
+                <a:cxnLst/>
                 <a:rect l="l" t="t" r="r" b="b"/>
                 <a:pathLst>
                   <a:path w="1030" h="1030">
@@ -2227,6 +2283,7 @@
                   </a:spcAft>
                   <a:buNone/>
                 </a:pPr>
+                <a:endParaRPr/>
               </a:p>
             </p:txBody>
           </p:sp>
@@ -2243,6 +2300,9 @@
               </a:xfrm>
               <a:custGeom>
                 <a:avLst/>
+                <a:gdLst/>
+                <a:ahLst/>
+                <a:cxnLst/>
                 <a:rect l="l" t="t" r="r" b="b"/>
                 <a:pathLst>
                   <a:path w="1026" h="1029">
@@ -2293,6 +2353,7 @@
                   </a:spcAft>
                   <a:buNone/>
                 </a:pPr>
+                <a:endParaRPr/>
               </a:p>
             </p:txBody>
           </p:sp>
@@ -2309,6 +2370,9 @@
               </a:xfrm>
               <a:custGeom>
                 <a:avLst/>
+                <a:gdLst/>
+                <a:ahLst/>
+                <a:cxnLst/>
                 <a:rect l="l" t="t" r="r" b="b"/>
                 <a:pathLst>
                   <a:path w="1029" h="1029">
@@ -2359,6 +2423,7 @@
                   </a:spcAft>
                   <a:buNone/>
                 </a:pPr>
+                <a:endParaRPr/>
               </a:p>
             </p:txBody>
           </p:sp>
@@ -2375,6 +2440,9 @@
               </a:xfrm>
               <a:custGeom>
                 <a:avLst/>
+                <a:gdLst/>
+                <a:ahLst/>
+                <a:cxnLst/>
                 <a:rect l="l" t="t" r="r" b="b"/>
                 <a:pathLst>
                   <a:path w="1026" h="1027">
@@ -2430,6 +2498,7 @@
                   </a:spcAft>
                   <a:buNone/>
                 </a:pPr>
+                <a:endParaRPr/>
               </a:p>
             </p:txBody>
           </p:sp>
@@ -2446,6 +2515,9 @@
               </a:xfrm>
               <a:custGeom>
                 <a:avLst/>
+                <a:gdLst/>
+                <a:ahLst/>
+                <a:cxnLst/>
                 <a:rect l="l" t="t" r="r" b="b"/>
                 <a:pathLst>
                   <a:path w="1030" h="1027">
@@ -2496,6 +2568,7 @@
                   </a:spcAft>
                   <a:buNone/>
                 </a:pPr>
+                <a:endParaRPr/>
               </a:p>
             </p:txBody>
           </p:sp>
@@ -2512,6 +2585,9 @@
               </a:xfrm>
               <a:custGeom>
                 <a:avLst/>
+                <a:gdLst/>
+                <a:ahLst/>
+                <a:cxnLst/>
                 <a:rect l="l" t="t" r="r" b="b"/>
                 <a:pathLst>
                   <a:path w="1030" h="1026">
@@ -2567,6 +2643,7 @@
                   </a:spcAft>
                   <a:buNone/>
                 </a:pPr>
+                <a:endParaRPr/>
               </a:p>
             </p:txBody>
           </p:sp>
@@ -2583,6 +2660,9 @@
               </a:xfrm>
               <a:custGeom>
                 <a:avLst/>
+                <a:gdLst/>
+                <a:ahLst/>
+                <a:cxnLst/>
                 <a:rect l="l" t="t" r="r" b="b"/>
                 <a:pathLst>
                   <a:path w="1026" h="1029">
@@ -2633,6 +2713,7 @@
                   </a:spcAft>
                   <a:buNone/>
                 </a:pPr>
+                <a:endParaRPr/>
               </a:p>
             </p:txBody>
           </p:sp>
@@ -2649,6 +2730,9 @@
               </a:xfrm>
               <a:custGeom>
                 <a:avLst/>
+                <a:gdLst/>
+                <a:ahLst/>
+                <a:cxnLst/>
                 <a:rect l="l" t="t" r="r" b="b"/>
                 <a:pathLst>
                   <a:path w="1030" h="1029">
@@ -2699,6 +2783,7 @@
                   </a:spcAft>
                   <a:buNone/>
                 </a:pPr>
+                <a:endParaRPr/>
               </a:p>
             </p:txBody>
           </p:sp>
@@ -2715,6 +2800,9 @@
               </a:xfrm>
               <a:custGeom>
                 <a:avLst/>
+                <a:gdLst/>
+                <a:ahLst/>
+                <a:cxnLst/>
                 <a:rect l="l" t="t" r="r" b="b"/>
                 <a:pathLst>
                   <a:path w="1026" h="1030">
@@ -2765,6 +2853,7 @@
                   </a:spcAft>
                   <a:buNone/>
                 </a:pPr>
+                <a:endParaRPr/>
               </a:p>
             </p:txBody>
           </p:sp>
@@ -2781,6 +2870,9 @@
               </a:xfrm>
               <a:custGeom>
                 <a:avLst/>
+                <a:gdLst/>
+                <a:ahLst/>
+                <a:cxnLst/>
                 <a:rect l="l" t="t" r="r" b="b"/>
                 <a:pathLst>
                   <a:path w="1030" h="1027">
@@ -2831,6 +2923,7 @@
                   </a:spcAft>
                   <a:buNone/>
                 </a:pPr>
+                <a:endParaRPr/>
               </a:p>
             </p:txBody>
           </p:sp>
@@ -2847,6 +2940,9 @@
               </a:xfrm>
               <a:custGeom>
                 <a:avLst/>
+                <a:gdLst/>
+                <a:ahLst/>
+                <a:cxnLst/>
                 <a:rect l="l" t="t" r="r" b="b"/>
                 <a:pathLst>
                   <a:path w="1029" h="1026">
@@ -2902,6 +2998,7 @@
                   </a:spcAft>
                   <a:buNone/>
                 </a:pPr>
+                <a:endParaRPr/>
               </a:p>
             </p:txBody>
           </p:sp>
@@ -2918,6 +3015,9 @@
               </a:xfrm>
               <a:custGeom>
                 <a:avLst/>
+                <a:gdLst/>
+                <a:ahLst/>
+                <a:cxnLst/>
                 <a:rect l="l" t="t" r="r" b="b"/>
                 <a:pathLst>
                   <a:path w="1027" h="1029">
@@ -2968,6 +3068,7 @@
                   </a:spcAft>
                   <a:buNone/>
                 </a:pPr>
+                <a:endParaRPr/>
               </a:p>
             </p:txBody>
           </p:sp>
@@ -2984,6 +3085,9 @@
               </a:xfrm>
               <a:custGeom>
                 <a:avLst/>
+                <a:gdLst/>
+                <a:ahLst/>
+                <a:cxnLst/>
                 <a:rect l="l" t="t" r="r" b="b"/>
                 <a:pathLst>
                   <a:path w="1030" h="1029">
@@ -3051,6 +3155,9 @@
               </a:xfrm>
               <a:custGeom>
                 <a:avLst/>
+                <a:gdLst/>
+                <a:ahLst/>
+                <a:cxnLst/>
                 <a:rect l="l" t="t" r="r" b="b"/>
                 <a:pathLst>
                   <a:path w="1025" h="1030">
@@ -3101,6 +3208,7 @@
                   </a:spcAft>
                   <a:buNone/>
                 </a:pPr>
+                <a:endParaRPr/>
               </a:p>
             </p:txBody>
           </p:sp>
@@ -3117,6 +3225,9 @@
               </a:xfrm>
               <a:custGeom>
                 <a:avLst/>
+                <a:gdLst/>
+                <a:ahLst/>
+                <a:cxnLst/>
                 <a:rect l="l" t="t" r="r" b="b"/>
                 <a:pathLst>
                   <a:path w="1029" h="1027">
@@ -3167,6 +3278,7 @@
                   </a:spcAft>
                   <a:buNone/>
                 </a:pPr>
+                <a:endParaRPr/>
               </a:p>
             </p:txBody>
           </p:sp>
@@ -3183,6 +3295,9 @@
               </a:xfrm>
               <a:custGeom>
                 <a:avLst/>
+                <a:gdLst/>
+                <a:ahLst/>
+                <a:cxnLst/>
                 <a:rect l="l" t="t" r="r" b="b"/>
                 <a:pathLst>
                   <a:path w="1029" h="1026">
@@ -3233,6 +3348,7 @@
                   </a:spcAft>
                   <a:buNone/>
                 </a:pPr>
+                <a:endParaRPr/>
               </a:p>
             </p:txBody>
           </p:sp>
@@ -3249,6 +3365,9 @@
               </a:xfrm>
               <a:custGeom>
                 <a:avLst/>
+                <a:gdLst/>
+                <a:ahLst/>
+                <a:cxnLst/>
                 <a:rect l="l" t="t" r="r" b="b"/>
                 <a:pathLst>
                   <a:path w="1030" h="1030">
@@ -3299,6 +3418,7 @@
                   </a:spcAft>
                   <a:buNone/>
                 </a:pPr>
+                <a:endParaRPr/>
               </a:p>
             </p:txBody>
           </p:sp>
@@ -3315,6 +3435,9 @@
               </a:xfrm>
               <a:custGeom>
                 <a:avLst/>
+                <a:gdLst/>
+                <a:ahLst/>
+                <a:cxnLst/>
                 <a:rect l="l" t="t" r="r" b="b"/>
                 <a:pathLst>
                   <a:path w="1030" h="1029">
@@ -3365,6 +3488,7 @@
                   </a:spcAft>
                   <a:buNone/>
                 </a:pPr>
+                <a:endParaRPr/>
               </a:p>
             </p:txBody>
           </p:sp>
@@ -3381,6 +3505,9 @@
               </a:xfrm>
               <a:custGeom>
                 <a:avLst/>
+                <a:gdLst/>
+                <a:ahLst/>
+                <a:cxnLst/>
                 <a:rect l="l" t="t" r="r" b="b"/>
                 <a:pathLst>
                   <a:path w="1029" h="1030">
@@ -3431,6 +3558,7 @@
                   </a:spcAft>
                   <a:buNone/>
                 </a:pPr>
+                <a:endParaRPr/>
               </a:p>
             </p:txBody>
           </p:sp>
@@ -3447,6 +3575,9 @@
               </a:xfrm>
               <a:custGeom>
                 <a:avLst/>
+                <a:gdLst/>
+                <a:ahLst/>
+                <a:cxnLst/>
                 <a:rect l="l" t="t" r="r" b="b"/>
                 <a:pathLst>
                   <a:path w="1029" h="1027">
@@ -3535,6 +3666,9 @@
             </a:xfrm>
             <a:custGeom>
               <a:avLst/>
+              <a:gdLst/>
+              <a:ahLst/>
+              <a:cxnLst/>
               <a:rect l="l" t="t" r="r" b="b"/>
               <a:pathLst>
                 <a:path w="7852" h="7775">
@@ -3672,6 +3806,7 @@
                 </a:spcAft>
                 <a:buNone/>
               </a:pPr>
+              <a:endParaRPr/>
             </a:p>
           </p:txBody>
         </p:sp>
@@ -3688,6 +3823,9 @@
             </a:xfrm>
             <a:custGeom>
               <a:avLst/>
+              <a:gdLst/>
+              <a:ahLst/>
+              <a:cxnLst/>
               <a:rect l="l" t="t" r="r" b="b"/>
               <a:pathLst>
                 <a:path w="7851" h="7773">
@@ -3844,6 +3982,9 @@
             </a:xfrm>
             <a:custGeom>
               <a:avLst/>
+              <a:gdLst/>
+              <a:ahLst/>
+              <a:cxnLst/>
               <a:rect l="l" t="t" r="r" b="b"/>
               <a:pathLst>
                 <a:path w="3840" h="3840">
@@ -3912,6 +4053,7 @@
                 </a:spcAft>
                 <a:buNone/>
               </a:pPr>
+              <a:endParaRPr/>
             </a:p>
           </p:txBody>
         </p:sp>
@@ -3928,6 +4070,9 @@
             </a:xfrm>
             <a:custGeom>
               <a:avLst/>
+              <a:gdLst/>
+              <a:ahLst/>
+              <a:cxnLst/>
               <a:rect l="l" t="t" r="r" b="b"/>
               <a:pathLst>
                 <a:path w="3843" h="3840">
@@ -4013,6 +4158,9 @@
             </a:xfrm>
             <a:custGeom>
               <a:avLst/>
+              <a:gdLst/>
+              <a:ahLst/>
+              <a:cxnLst/>
               <a:rect l="l" t="t" r="r" b="b"/>
               <a:pathLst>
                 <a:path w="13067" h="13068">
@@ -4093,6 +4241,9 @@
               </a:xfrm>
               <a:custGeom>
                 <a:avLst/>
+                <a:gdLst/>
+                <a:ahLst/>
+                <a:cxnLst/>
                 <a:rect l="l" t="t" r="r" b="b"/>
                 <a:pathLst>
                   <a:path w="1030" h="1030">
@@ -4143,6 +4294,7 @@
                   </a:spcAft>
                   <a:buNone/>
                 </a:pPr>
+                <a:endParaRPr/>
               </a:p>
             </p:txBody>
           </p:sp>
@@ -4159,6 +4311,9 @@
               </a:xfrm>
               <a:custGeom>
                 <a:avLst/>
+                <a:gdLst/>
+                <a:ahLst/>
+                <a:cxnLst/>
                 <a:rect l="l" t="t" r="r" b="b"/>
                 <a:pathLst>
                   <a:path w="1026" h="1029">
@@ -4209,6 +4364,7 @@
                   </a:spcAft>
                   <a:buNone/>
                 </a:pPr>
+                <a:endParaRPr/>
               </a:p>
             </p:txBody>
           </p:sp>
@@ -4225,6 +4381,9 @@
               </a:xfrm>
               <a:custGeom>
                 <a:avLst/>
+                <a:gdLst/>
+                <a:ahLst/>
+                <a:cxnLst/>
                 <a:rect l="l" t="t" r="r" b="b"/>
                 <a:pathLst>
                   <a:path w="1029" h="1029">
@@ -4275,6 +4434,7 @@
                   </a:spcAft>
                   <a:buNone/>
                 </a:pPr>
+                <a:endParaRPr/>
               </a:p>
             </p:txBody>
           </p:sp>
@@ -4291,6 +4451,9 @@
               </a:xfrm>
               <a:custGeom>
                 <a:avLst/>
+                <a:gdLst/>
+                <a:ahLst/>
+                <a:cxnLst/>
                 <a:rect l="l" t="t" r="r" b="b"/>
                 <a:pathLst>
                   <a:path w="1030" h="1027">
@@ -4346,6 +4509,7 @@
                   </a:spcAft>
                   <a:buNone/>
                 </a:pPr>
+                <a:endParaRPr/>
               </a:p>
             </p:txBody>
           </p:sp>
@@ -4362,6 +4526,9 @@
               </a:xfrm>
               <a:custGeom>
                 <a:avLst/>
+                <a:gdLst/>
+                <a:ahLst/>
+                <a:cxnLst/>
                 <a:rect l="l" t="t" r="r" b="b"/>
                 <a:pathLst>
                   <a:path w="1029" h="1027">
@@ -4412,6 +4579,7 @@
                   </a:spcAft>
                   <a:buNone/>
                 </a:pPr>
+                <a:endParaRPr/>
               </a:p>
             </p:txBody>
           </p:sp>
@@ -4428,6 +4596,9 @@
               </a:xfrm>
               <a:custGeom>
                 <a:avLst/>
+                <a:gdLst/>
+                <a:ahLst/>
+                <a:cxnLst/>
                 <a:rect l="l" t="t" r="r" b="b"/>
                 <a:pathLst>
                   <a:path w="1030" h="1030">
@@ -4478,6 +4649,7 @@
                   </a:spcAft>
                   <a:buNone/>
                 </a:pPr>
+                <a:endParaRPr/>
               </a:p>
             </p:txBody>
           </p:sp>
@@ -4494,6 +4666,9 @@
               </a:xfrm>
               <a:custGeom>
                 <a:avLst/>
+                <a:gdLst/>
+                <a:ahLst/>
+                <a:cxnLst/>
                 <a:rect l="l" t="t" r="r" b="b"/>
                 <a:pathLst>
                   <a:path w="1026" h="1029">
@@ -4544,6 +4719,7 @@
                   </a:spcAft>
                   <a:buNone/>
                 </a:pPr>
+                <a:endParaRPr/>
               </a:p>
             </p:txBody>
           </p:sp>
@@ -4560,6 +4736,9 @@
               </a:xfrm>
               <a:custGeom>
                 <a:avLst/>
+                <a:gdLst/>
+                <a:ahLst/>
+                <a:cxnLst/>
                 <a:rect l="l" t="t" r="r" b="b"/>
                 <a:pathLst>
                   <a:path w="1029" h="1029">
@@ -4610,6 +4789,7 @@
                   </a:spcAft>
                   <a:buNone/>
                 </a:pPr>
+                <a:endParaRPr/>
               </a:p>
             </p:txBody>
           </p:sp>
@@ -4626,6 +4806,9 @@
               </a:xfrm>
               <a:custGeom>
                 <a:avLst/>
+                <a:gdLst/>
+                <a:ahLst/>
+                <a:cxnLst/>
                 <a:rect l="l" t="t" r="r" b="b"/>
                 <a:pathLst>
                   <a:path w="1026" h="1027">
@@ -4681,6 +4864,7 @@
                   </a:spcAft>
                   <a:buNone/>
                 </a:pPr>
+                <a:endParaRPr/>
               </a:p>
             </p:txBody>
           </p:sp>
@@ -4697,6 +4881,9 @@
               </a:xfrm>
               <a:custGeom>
                 <a:avLst/>
+                <a:gdLst/>
+                <a:ahLst/>
+                <a:cxnLst/>
                 <a:rect l="l" t="t" r="r" b="b"/>
                 <a:pathLst>
                   <a:path w="1030" h="1027">
@@ -4747,6 +4934,7 @@
                   </a:spcAft>
                   <a:buNone/>
                 </a:pPr>
+                <a:endParaRPr/>
               </a:p>
             </p:txBody>
           </p:sp>
@@ -4763,6 +4951,9 @@
               </a:xfrm>
               <a:custGeom>
                 <a:avLst/>
+                <a:gdLst/>
+                <a:ahLst/>
+                <a:cxnLst/>
                 <a:rect l="l" t="t" r="r" b="b"/>
                 <a:pathLst>
                   <a:path w="1030" h="1026">
@@ -4818,6 +5009,7 @@
                   </a:spcAft>
                   <a:buNone/>
                 </a:pPr>
+                <a:endParaRPr/>
               </a:p>
             </p:txBody>
           </p:sp>
@@ -4834,6 +5026,9 @@
               </a:xfrm>
               <a:custGeom>
                 <a:avLst/>
+                <a:gdLst/>
+                <a:ahLst/>
+                <a:cxnLst/>
                 <a:rect l="l" t="t" r="r" b="b"/>
                 <a:pathLst>
                   <a:path w="1026" h="1029">
@@ -4884,6 +5079,7 @@
                   </a:spcAft>
                   <a:buNone/>
                 </a:pPr>
+                <a:endParaRPr/>
               </a:p>
             </p:txBody>
           </p:sp>
@@ -4900,6 +5096,9 @@
               </a:xfrm>
               <a:custGeom>
                 <a:avLst/>
+                <a:gdLst/>
+                <a:ahLst/>
+                <a:cxnLst/>
                 <a:rect l="l" t="t" r="r" b="b"/>
                 <a:pathLst>
                   <a:path w="1030" h="1029">
@@ -4950,6 +5149,7 @@
                   </a:spcAft>
                   <a:buNone/>
                 </a:pPr>
+                <a:endParaRPr/>
               </a:p>
             </p:txBody>
           </p:sp>
@@ -4966,6 +5166,9 @@
               </a:xfrm>
               <a:custGeom>
                 <a:avLst/>
+                <a:gdLst/>
+                <a:ahLst/>
+                <a:cxnLst/>
                 <a:rect l="l" t="t" r="r" b="b"/>
                 <a:pathLst>
                   <a:path w="1026" h="1030">
@@ -5016,6 +5219,7 @@
                   </a:spcAft>
                   <a:buNone/>
                 </a:pPr>
+                <a:endParaRPr/>
               </a:p>
             </p:txBody>
           </p:sp>
@@ -5032,6 +5236,9 @@
               </a:xfrm>
               <a:custGeom>
                 <a:avLst/>
+                <a:gdLst/>
+                <a:ahLst/>
+                <a:cxnLst/>
                 <a:rect l="l" t="t" r="r" b="b"/>
                 <a:pathLst>
                   <a:path w="1030" h="1027">
@@ -5082,6 +5289,7 @@
                   </a:spcAft>
                   <a:buNone/>
                 </a:pPr>
+                <a:endParaRPr/>
               </a:p>
             </p:txBody>
           </p:sp>
@@ -5098,6 +5306,9 @@
               </a:xfrm>
               <a:custGeom>
                 <a:avLst/>
+                <a:gdLst/>
+                <a:ahLst/>
+                <a:cxnLst/>
                 <a:rect l="l" t="t" r="r" b="b"/>
                 <a:pathLst>
                   <a:path w="1029" h="1026">
@@ -5153,6 +5364,7 @@
                   </a:spcAft>
                   <a:buNone/>
                 </a:pPr>
+                <a:endParaRPr/>
               </a:p>
             </p:txBody>
           </p:sp>
@@ -5169,6 +5381,9 @@
               </a:xfrm>
               <a:custGeom>
                 <a:avLst/>
+                <a:gdLst/>
+                <a:ahLst/>
+                <a:cxnLst/>
                 <a:rect l="l" t="t" r="r" b="b"/>
                 <a:pathLst>
                   <a:path w="1027" h="1029">
@@ -5219,6 +5434,7 @@
                   </a:spcAft>
                   <a:buNone/>
                 </a:pPr>
+                <a:endParaRPr/>
               </a:p>
             </p:txBody>
           </p:sp>
@@ -5235,6 +5451,9 @@
               </a:xfrm>
               <a:custGeom>
                 <a:avLst/>
+                <a:gdLst/>
+                <a:ahLst/>
+                <a:cxnLst/>
                 <a:rect l="l" t="t" r="r" b="b"/>
                 <a:pathLst>
                   <a:path w="1030" h="1029">
@@ -5285,6 +5504,7 @@
                   </a:spcAft>
                   <a:buNone/>
                 </a:pPr>
+                <a:endParaRPr/>
               </a:p>
             </p:txBody>
           </p:sp>
@@ -5301,6 +5521,9 @@
               </a:xfrm>
               <a:custGeom>
                 <a:avLst/>
+                <a:gdLst/>
+                <a:ahLst/>
+                <a:cxnLst/>
                 <a:rect l="l" t="t" r="r" b="b"/>
                 <a:pathLst>
                   <a:path w="1025" h="1030">
@@ -5351,6 +5574,7 @@
                   </a:spcAft>
                   <a:buNone/>
                 </a:pPr>
+                <a:endParaRPr/>
               </a:p>
             </p:txBody>
           </p:sp>
@@ -5367,6 +5591,9 @@
               </a:xfrm>
               <a:custGeom>
                 <a:avLst/>
+                <a:gdLst/>
+                <a:ahLst/>
+                <a:cxnLst/>
                 <a:rect l="l" t="t" r="r" b="b"/>
                 <a:pathLst>
                   <a:path w="1029" h="1027">
@@ -5417,6 +5644,7 @@
                   </a:spcAft>
                   <a:buNone/>
                 </a:pPr>
+                <a:endParaRPr/>
               </a:p>
             </p:txBody>
           </p:sp>
@@ -5433,6 +5661,9 @@
               </a:xfrm>
               <a:custGeom>
                 <a:avLst/>
+                <a:gdLst/>
+                <a:ahLst/>
+                <a:cxnLst/>
                 <a:rect l="l" t="t" r="r" b="b"/>
                 <a:pathLst>
                   <a:path w="1029" h="1026">
@@ -5500,6 +5731,9 @@
               </a:xfrm>
               <a:custGeom>
                 <a:avLst/>
+                <a:gdLst/>
+                <a:ahLst/>
+                <a:cxnLst/>
                 <a:rect l="l" t="t" r="r" b="b"/>
                 <a:pathLst>
                   <a:path w="1030" h="1030">
@@ -5550,6 +5784,7 @@
                   </a:spcAft>
                   <a:buNone/>
                 </a:pPr>
+                <a:endParaRPr/>
               </a:p>
             </p:txBody>
           </p:sp>
@@ -5566,6 +5801,9 @@
               </a:xfrm>
               <a:custGeom>
                 <a:avLst/>
+                <a:gdLst/>
+                <a:ahLst/>
+                <a:cxnLst/>
                 <a:rect l="l" t="t" r="r" b="b"/>
                 <a:pathLst>
                   <a:path w="1030" h="1029">
@@ -5616,6 +5854,7 @@
                   </a:spcAft>
                   <a:buNone/>
                 </a:pPr>
+                <a:endParaRPr/>
               </a:p>
             </p:txBody>
           </p:sp>
@@ -5632,6 +5871,9 @@
               </a:xfrm>
               <a:custGeom>
                 <a:avLst/>
+                <a:gdLst/>
+                <a:ahLst/>
+                <a:cxnLst/>
                 <a:rect l="l" t="t" r="r" b="b"/>
                 <a:pathLst>
                   <a:path w="1029" h="1030">
@@ -5682,6 +5924,7 @@
                   </a:spcAft>
                   <a:buNone/>
                 </a:pPr>
+                <a:endParaRPr/>
               </a:p>
             </p:txBody>
           </p:sp>
@@ -5698,6 +5941,9 @@
               </a:xfrm>
               <a:custGeom>
                 <a:avLst/>
+                <a:gdLst/>
+                <a:ahLst/>
+                <a:cxnLst/>
                 <a:rect l="l" t="t" r="r" b="b"/>
                 <a:pathLst>
                   <a:path w="1029" h="1027">
@@ -5753,6 +5999,7 @@
                   </a:spcAft>
                   <a:buNone/>
                 </a:pPr>
+                <a:endParaRPr/>
               </a:p>
             </p:txBody>
           </p:sp>
@@ -5807,7 +6054,7 @@
           <a:p>
             <a:fld id="{4D66383F-9536-4B63-8B71-9250C2E5070C}" type="datetimeFigureOut">
               <a:rPr lang="en-US" smtClean="0"/>
-              <a:t>1/21/2025</a:t>
+              <a:t>1/28/2025</a:t>
             </a:fld>
             <a:endParaRPr lang="en-US"/>
           </a:p>
@@ -5844,7 +6091,7 @@
   <p:clrMapOvr>
     <a:masterClrMapping/>
   </p:clrMapOvr>
-  <p:hf dt="0" sldNum="0" hdr="0" ftr="0"/>
+  <p:hf sldNum="0" hdr="0" ftr="0" dt="0"/>
 </p:sldLayout>
 </file>
 
@@ -5858,6 +6105,7 @@
             <a:lumMod val="50000"/>
           </a:schemeClr>
         </a:solidFill>
+        <a:effectLst/>
       </p:bgPr>
     </p:bg>
     <p:spTree>
@@ -6005,6 +6253,9 @@
             </a:xfrm>
             <a:custGeom>
               <a:avLst/>
+              <a:gdLst/>
+              <a:ahLst/>
+              <a:cxnLst/>
               <a:rect l="l" t="t" r="r" b="b"/>
               <a:pathLst>
                 <a:path w="7855" h="7776">
@@ -6159,6 +6410,9 @@
             </a:xfrm>
             <a:custGeom>
               <a:avLst/>
+              <a:gdLst/>
+              <a:ahLst/>
+              <a:cxnLst/>
               <a:rect l="l" t="t" r="r" b="b"/>
               <a:pathLst>
                 <a:path w="8293" h="8292">
@@ -6244,6 +6498,9 @@
             </a:xfrm>
             <a:custGeom>
               <a:avLst/>
+              <a:gdLst/>
+              <a:ahLst/>
+              <a:cxnLst/>
               <a:rect l="l" t="t" r="r" b="b"/>
               <a:pathLst>
                 <a:path w="5646" h="5644">
@@ -6329,6 +6586,9 @@
             </a:xfrm>
             <a:custGeom>
               <a:avLst/>
+              <a:gdLst/>
+              <a:ahLst/>
+              <a:cxnLst/>
               <a:rect l="l" t="t" r="r" b="b"/>
               <a:pathLst>
                 <a:path w="7138" h="7139">
@@ -6410,6 +6670,9 @@
               </a:xfrm>
               <a:custGeom>
                 <a:avLst/>
+                <a:gdLst/>
+                <a:ahLst/>
+                <a:cxnLst/>
                 <a:rect l="l" t="t" r="r" b="b"/>
                 <a:pathLst>
                   <a:path w="1030" h="1030">
@@ -6460,6 +6723,7 @@
                   </a:spcAft>
                   <a:buNone/>
                 </a:pPr>
+                <a:endParaRPr/>
               </a:p>
             </p:txBody>
           </p:sp>
@@ -6476,6 +6740,9 @@
               </a:xfrm>
               <a:custGeom>
                 <a:avLst/>
+                <a:gdLst/>
+                <a:ahLst/>
+                <a:cxnLst/>
                 <a:rect l="l" t="t" r="r" b="b"/>
                 <a:pathLst>
                   <a:path w="1026" h="1029">
@@ -6526,6 +6793,7 @@
                   </a:spcAft>
                   <a:buNone/>
                 </a:pPr>
+                <a:endParaRPr/>
               </a:p>
             </p:txBody>
           </p:sp>
@@ -6542,6 +6810,9 @@
               </a:xfrm>
               <a:custGeom>
                 <a:avLst/>
+                <a:gdLst/>
+                <a:ahLst/>
+                <a:cxnLst/>
                 <a:rect l="l" t="t" r="r" b="b"/>
                 <a:pathLst>
                   <a:path w="1029" h="1029">
@@ -6592,6 +6863,7 @@
                   </a:spcAft>
                   <a:buNone/>
                 </a:pPr>
+                <a:endParaRPr/>
               </a:p>
             </p:txBody>
           </p:sp>
@@ -6608,6 +6880,9 @@
               </a:xfrm>
               <a:custGeom>
                 <a:avLst/>
+                <a:gdLst/>
+                <a:ahLst/>
+                <a:cxnLst/>
                 <a:rect l="l" t="t" r="r" b="b"/>
                 <a:pathLst>
                   <a:path w="1030" h="1027">
@@ -6663,6 +6938,7 @@
                   </a:spcAft>
                   <a:buNone/>
                 </a:pPr>
+                <a:endParaRPr/>
               </a:p>
             </p:txBody>
           </p:sp>
@@ -6679,6 +6955,9 @@
               </a:xfrm>
               <a:custGeom>
                 <a:avLst/>
+                <a:gdLst/>
+                <a:ahLst/>
+                <a:cxnLst/>
                 <a:rect l="l" t="t" r="r" b="b"/>
                 <a:pathLst>
                   <a:path w="1029" h="1027">
@@ -6746,6 +7025,9 @@
               </a:xfrm>
               <a:custGeom>
                 <a:avLst/>
+                <a:gdLst/>
+                <a:ahLst/>
+                <a:cxnLst/>
                 <a:rect l="l" t="t" r="r" b="b"/>
                 <a:pathLst>
                   <a:path w="1030" h="1030">
@@ -6796,6 +7078,7 @@
                   </a:spcAft>
                   <a:buNone/>
                 </a:pPr>
+                <a:endParaRPr/>
               </a:p>
             </p:txBody>
           </p:sp>
@@ -6812,6 +7095,9 @@
               </a:xfrm>
               <a:custGeom>
                 <a:avLst/>
+                <a:gdLst/>
+                <a:ahLst/>
+                <a:cxnLst/>
                 <a:rect l="l" t="t" r="r" b="b"/>
                 <a:pathLst>
                   <a:path w="1026" h="1029">
@@ -6862,6 +7148,7 @@
                   </a:spcAft>
                   <a:buNone/>
                 </a:pPr>
+                <a:endParaRPr/>
               </a:p>
             </p:txBody>
           </p:sp>
@@ -6878,6 +7165,9 @@
               </a:xfrm>
               <a:custGeom>
                 <a:avLst/>
+                <a:gdLst/>
+                <a:ahLst/>
+                <a:cxnLst/>
                 <a:rect l="l" t="t" r="r" b="b"/>
                 <a:pathLst>
                   <a:path w="1029" h="1029">
@@ -6928,6 +7218,7 @@
                   </a:spcAft>
                   <a:buNone/>
                 </a:pPr>
+                <a:endParaRPr/>
               </a:p>
             </p:txBody>
           </p:sp>
@@ -6944,6 +7235,9 @@
               </a:xfrm>
               <a:custGeom>
                 <a:avLst/>
+                <a:gdLst/>
+                <a:ahLst/>
+                <a:cxnLst/>
                 <a:rect l="l" t="t" r="r" b="b"/>
                 <a:pathLst>
                   <a:path w="1026" h="1027">
@@ -6999,6 +7293,7 @@
                   </a:spcAft>
                   <a:buNone/>
                 </a:pPr>
+                <a:endParaRPr/>
               </a:p>
             </p:txBody>
           </p:sp>
@@ -7015,6 +7310,9 @@
               </a:xfrm>
               <a:custGeom>
                 <a:avLst/>
+                <a:gdLst/>
+                <a:ahLst/>
+                <a:cxnLst/>
                 <a:rect l="l" t="t" r="r" b="b"/>
                 <a:pathLst>
                   <a:path w="1030" h="1027">
@@ -7065,6 +7363,7 @@
                   </a:spcAft>
                   <a:buNone/>
                 </a:pPr>
+                <a:endParaRPr/>
               </a:p>
             </p:txBody>
           </p:sp>
@@ -7081,6 +7380,9 @@
               </a:xfrm>
               <a:custGeom>
                 <a:avLst/>
+                <a:gdLst/>
+                <a:ahLst/>
+                <a:cxnLst/>
                 <a:rect l="l" t="t" r="r" b="b"/>
                 <a:pathLst>
                   <a:path w="1030" h="1026">
@@ -7136,6 +7438,7 @@
                   </a:spcAft>
                   <a:buNone/>
                 </a:pPr>
+                <a:endParaRPr/>
               </a:p>
             </p:txBody>
           </p:sp>
@@ -7152,6 +7455,9 @@
               </a:xfrm>
               <a:custGeom>
                 <a:avLst/>
+                <a:gdLst/>
+                <a:ahLst/>
+                <a:cxnLst/>
                 <a:rect l="l" t="t" r="r" b="b"/>
                 <a:pathLst>
                   <a:path w="1026" h="1029">
@@ -7202,6 +7508,7 @@
                   </a:spcAft>
                   <a:buNone/>
                 </a:pPr>
+                <a:endParaRPr/>
               </a:p>
             </p:txBody>
           </p:sp>
@@ -7218,6 +7525,9 @@
               </a:xfrm>
               <a:custGeom>
                 <a:avLst/>
+                <a:gdLst/>
+                <a:ahLst/>
+                <a:cxnLst/>
                 <a:rect l="l" t="t" r="r" b="b"/>
                 <a:pathLst>
                   <a:path w="1030" h="1029">
@@ -7268,6 +7578,7 @@
                   </a:spcAft>
                   <a:buNone/>
                 </a:pPr>
+                <a:endParaRPr/>
               </a:p>
             </p:txBody>
           </p:sp>
@@ -7284,6 +7595,9 @@
               </a:xfrm>
               <a:custGeom>
                 <a:avLst/>
+                <a:gdLst/>
+                <a:ahLst/>
+                <a:cxnLst/>
                 <a:rect l="l" t="t" r="r" b="b"/>
                 <a:pathLst>
                   <a:path w="1026" h="1030">
@@ -7334,6 +7648,7 @@
                   </a:spcAft>
                   <a:buNone/>
                 </a:pPr>
+                <a:endParaRPr/>
               </a:p>
             </p:txBody>
           </p:sp>
@@ -7350,6 +7665,9 @@
               </a:xfrm>
               <a:custGeom>
                 <a:avLst/>
+                <a:gdLst/>
+                <a:ahLst/>
+                <a:cxnLst/>
                 <a:rect l="l" t="t" r="r" b="b"/>
                 <a:pathLst>
                   <a:path w="1030" h="1027">
@@ -7400,6 +7718,7 @@
                   </a:spcAft>
                   <a:buNone/>
                 </a:pPr>
+                <a:endParaRPr/>
               </a:p>
             </p:txBody>
           </p:sp>
@@ -7416,6 +7735,9 @@
               </a:xfrm>
               <a:custGeom>
                 <a:avLst/>
+                <a:gdLst/>
+                <a:ahLst/>
+                <a:cxnLst/>
                 <a:rect l="l" t="t" r="r" b="b"/>
                 <a:pathLst>
                   <a:path w="1029" h="1026">
@@ -7471,6 +7793,7 @@
                   </a:spcAft>
                   <a:buNone/>
                 </a:pPr>
+                <a:endParaRPr/>
               </a:p>
             </p:txBody>
           </p:sp>
@@ -7487,6 +7810,9 @@
               </a:xfrm>
               <a:custGeom>
                 <a:avLst/>
+                <a:gdLst/>
+                <a:ahLst/>
+                <a:cxnLst/>
                 <a:rect l="l" t="t" r="r" b="b"/>
                 <a:pathLst>
                   <a:path w="1027" h="1029">
@@ -7537,6 +7863,7 @@
                   </a:spcAft>
                   <a:buNone/>
                 </a:pPr>
+                <a:endParaRPr/>
               </a:p>
             </p:txBody>
           </p:sp>
@@ -7553,6 +7880,9 @@
               </a:xfrm>
               <a:custGeom>
                 <a:avLst/>
+                <a:gdLst/>
+                <a:ahLst/>
+                <a:cxnLst/>
                 <a:rect l="l" t="t" r="r" b="b"/>
                 <a:pathLst>
                   <a:path w="1030" h="1029">
@@ -7620,6 +7950,9 @@
               </a:xfrm>
               <a:custGeom>
                 <a:avLst/>
+                <a:gdLst/>
+                <a:ahLst/>
+                <a:cxnLst/>
                 <a:rect l="l" t="t" r="r" b="b"/>
                 <a:pathLst>
                   <a:path w="1025" h="1030">
@@ -7670,6 +8003,7 @@
                   </a:spcAft>
                   <a:buNone/>
                 </a:pPr>
+                <a:endParaRPr/>
               </a:p>
             </p:txBody>
           </p:sp>
@@ -7686,6 +8020,9 @@
               </a:xfrm>
               <a:custGeom>
                 <a:avLst/>
+                <a:gdLst/>
+                <a:ahLst/>
+                <a:cxnLst/>
                 <a:rect l="l" t="t" r="r" b="b"/>
                 <a:pathLst>
                   <a:path w="1029" h="1027">
@@ -7736,6 +8073,7 @@
                   </a:spcAft>
                   <a:buNone/>
                 </a:pPr>
+                <a:endParaRPr/>
               </a:p>
             </p:txBody>
           </p:sp>
@@ -7752,6 +8090,9 @@
               </a:xfrm>
               <a:custGeom>
                 <a:avLst/>
+                <a:gdLst/>
+                <a:ahLst/>
+                <a:cxnLst/>
                 <a:rect l="l" t="t" r="r" b="b"/>
                 <a:pathLst>
                   <a:path w="1029" h="1026">
@@ -7802,6 +8143,7 @@
                   </a:spcAft>
                   <a:buNone/>
                 </a:pPr>
+                <a:endParaRPr/>
               </a:p>
             </p:txBody>
           </p:sp>
@@ -7818,6 +8160,9 @@
               </a:xfrm>
               <a:custGeom>
                 <a:avLst/>
+                <a:gdLst/>
+                <a:ahLst/>
+                <a:cxnLst/>
                 <a:rect l="l" t="t" r="r" b="b"/>
                 <a:pathLst>
                   <a:path w="1030" h="1030">
@@ -7868,6 +8213,7 @@
                   </a:spcAft>
                   <a:buNone/>
                 </a:pPr>
+                <a:endParaRPr/>
               </a:p>
             </p:txBody>
           </p:sp>
@@ -7884,6 +8230,9 @@
               </a:xfrm>
               <a:custGeom>
                 <a:avLst/>
+                <a:gdLst/>
+                <a:ahLst/>
+                <a:cxnLst/>
                 <a:rect l="l" t="t" r="r" b="b"/>
                 <a:pathLst>
                   <a:path w="1030" h="1029">
@@ -7934,6 +8283,7 @@
                   </a:spcAft>
                   <a:buNone/>
                 </a:pPr>
+                <a:endParaRPr/>
               </a:p>
             </p:txBody>
           </p:sp>
@@ -7950,6 +8300,9 @@
               </a:xfrm>
               <a:custGeom>
                 <a:avLst/>
+                <a:gdLst/>
+                <a:ahLst/>
+                <a:cxnLst/>
                 <a:rect l="l" t="t" r="r" b="b"/>
                 <a:pathLst>
                   <a:path w="1029" h="1030">
@@ -8000,6 +8353,7 @@
                   </a:spcAft>
                   <a:buNone/>
                 </a:pPr>
+                <a:endParaRPr/>
               </a:p>
             </p:txBody>
           </p:sp>
@@ -8016,6 +8370,9 @@
               </a:xfrm>
               <a:custGeom>
                 <a:avLst/>
+                <a:gdLst/>
+                <a:ahLst/>
+                <a:cxnLst/>
                 <a:rect l="l" t="t" r="r" b="b"/>
                 <a:pathLst>
                   <a:path w="1029" h="1027">
@@ -8104,6 +8461,9 @@
             </a:xfrm>
             <a:custGeom>
               <a:avLst/>
+              <a:gdLst/>
+              <a:ahLst/>
+              <a:cxnLst/>
               <a:rect l="l" t="t" r="r" b="b"/>
               <a:pathLst>
                 <a:path w="7852" h="7775">
@@ -8241,6 +8601,7 @@
                 </a:spcAft>
                 <a:buNone/>
               </a:pPr>
+              <a:endParaRPr/>
             </a:p>
           </p:txBody>
         </p:sp>
@@ -8257,6 +8618,9 @@
             </a:xfrm>
             <a:custGeom>
               <a:avLst/>
+              <a:gdLst/>
+              <a:ahLst/>
+              <a:cxnLst/>
               <a:rect l="l" t="t" r="r" b="b"/>
               <a:pathLst>
                 <a:path w="7851" h="7773">
@@ -8413,6 +8777,9 @@
             </a:xfrm>
             <a:custGeom>
               <a:avLst/>
+              <a:gdLst/>
+              <a:ahLst/>
+              <a:cxnLst/>
               <a:rect l="l" t="t" r="r" b="b"/>
               <a:pathLst>
                 <a:path w="3840" h="3840">
@@ -8481,6 +8848,7 @@
                 </a:spcAft>
                 <a:buNone/>
               </a:pPr>
+              <a:endParaRPr/>
             </a:p>
           </p:txBody>
         </p:sp>
@@ -8497,6 +8865,9 @@
             </a:xfrm>
             <a:custGeom>
               <a:avLst/>
+              <a:gdLst/>
+              <a:ahLst/>
+              <a:cxnLst/>
               <a:rect l="l" t="t" r="r" b="b"/>
               <a:pathLst>
                 <a:path w="3843" h="3840">
@@ -8582,6 +8953,9 @@
             </a:xfrm>
             <a:custGeom>
               <a:avLst/>
+              <a:gdLst/>
+              <a:ahLst/>
+              <a:cxnLst/>
               <a:rect l="l" t="t" r="r" b="b"/>
               <a:pathLst>
                 <a:path w="13067" h="13068">
@@ -8662,6 +9036,9 @@
               </a:xfrm>
               <a:custGeom>
                 <a:avLst/>
+                <a:gdLst/>
+                <a:ahLst/>
+                <a:cxnLst/>
                 <a:rect l="l" t="t" r="r" b="b"/>
                 <a:pathLst>
                   <a:path w="1030" h="1030">
@@ -8712,6 +9089,7 @@
                   </a:spcAft>
                   <a:buNone/>
                 </a:pPr>
+                <a:endParaRPr/>
               </a:p>
             </p:txBody>
           </p:sp>
@@ -8728,6 +9106,9 @@
               </a:xfrm>
               <a:custGeom>
                 <a:avLst/>
+                <a:gdLst/>
+                <a:ahLst/>
+                <a:cxnLst/>
                 <a:rect l="l" t="t" r="r" b="b"/>
                 <a:pathLst>
                   <a:path w="1026" h="1029">
@@ -8778,6 +9159,7 @@
                   </a:spcAft>
                   <a:buNone/>
                 </a:pPr>
+                <a:endParaRPr/>
               </a:p>
             </p:txBody>
           </p:sp>
@@ -8794,6 +9176,9 @@
               </a:xfrm>
               <a:custGeom>
                 <a:avLst/>
+                <a:gdLst/>
+                <a:ahLst/>
+                <a:cxnLst/>
                 <a:rect l="l" t="t" r="r" b="b"/>
                 <a:pathLst>
                   <a:path w="1029" h="1029">
@@ -8844,6 +9229,7 @@
                   </a:spcAft>
                   <a:buNone/>
                 </a:pPr>
+                <a:endParaRPr/>
               </a:p>
             </p:txBody>
           </p:sp>
@@ -8860,6 +9246,9 @@
               </a:xfrm>
               <a:custGeom>
                 <a:avLst/>
+                <a:gdLst/>
+                <a:ahLst/>
+                <a:cxnLst/>
                 <a:rect l="l" t="t" r="r" b="b"/>
                 <a:pathLst>
                   <a:path w="1030" h="1027">
@@ -8915,6 +9304,7 @@
                   </a:spcAft>
                   <a:buNone/>
                 </a:pPr>
+                <a:endParaRPr/>
               </a:p>
             </p:txBody>
           </p:sp>
@@ -8931,6 +9321,9 @@
               </a:xfrm>
               <a:custGeom>
                 <a:avLst/>
+                <a:gdLst/>
+                <a:ahLst/>
+                <a:cxnLst/>
                 <a:rect l="l" t="t" r="r" b="b"/>
                 <a:pathLst>
                   <a:path w="1029" h="1027">
@@ -8981,6 +9374,7 @@
                   </a:spcAft>
                   <a:buNone/>
                 </a:pPr>
+                <a:endParaRPr/>
               </a:p>
             </p:txBody>
           </p:sp>
@@ -8997,6 +9391,9 @@
               </a:xfrm>
               <a:custGeom>
                 <a:avLst/>
+                <a:gdLst/>
+                <a:ahLst/>
+                <a:cxnLst/>
                 <a:rect l="l" t="t" r="r" b="b"/>
                 <a:pathLst>
                   <a:path w="1030" h="1030">
@@ -9047,6 +9444,7 @@
                   </a:spcAft>
                   <a:buNone/>
                 </a:pPr>
+                <a:endParaRPr/>
               </a:p>
             </p:txBody>
           </p:sp>
@@ -9063,6 +9461,9 @@
               </a:xfrm>
               <a:custGeom>
                 <a:avLst/>
+                <a:gdLst/>
+                <a:ahLst/>
+                <a:cxnLst/>
                 <a:rect l="l" t="t" r="r" b="b"/>
                 <a:pathLst>
                   <a:path w="1026" h="1029">
@@ -9113,6 +9514,7 @@
                   </a:spcAft>
                   <a:buNone/>
                 </a:pPr>
+                <a:endParaRPr/>
               </a:p>
             </p:txBody>
           </p:sp>
@@ -9129,6 +9531,9 @@
               </a:xfrm>
               <a:custGeom>
                 <a:avLst/>
+                <a:gdLst/>
+                <a:ahLst/>
+                <a:cxnLst/>
                 <a:rect l="l" t="t" r="r" b="b"/>
                 <a:pathLst>
                   <a:path w="1029" h="1029">
@@ -9179,6 +9584,7 @@
                   </a:spcAft>
                   <a:buNone/>
                 </a:pPr>
+                <a:endParaRPr/>
               </a:p>
             </p:txBody>
           </p:sp>
@@ -9195,6 +9601,9 @@
               </a:xfrm>
               <a:custGeom>
                 <a:avLst/>
+                <a:gdLst/>
+                <a:ahLst/>
+                <a:cxnLst/>
                 <a:rect l="l" t="t" r="r" b="b"/>
                 <a:pathLst>
                   <a:path w="1026" h="1027">
@@ -9250,6 +9659,7 @@
                   </a:spcAft>
                   <a:buNone/>
                 </a:pPr>
+                <a:endParaRPr/>
               </a:p>
             </p:txBody>
           </p:sp>
@@ -9266,6 +9676,9 @@
               </a:xfrm>
               <a:custGeom>
                 <a:avLst/>
+                <a:gdLst/>
+                <a:ahLst/>
+                <a:cxnLst/>
                 <a:rect l="l" t="t" r="r" b="b"/>
                 <a:pathLst>
                   <a:path w="1030" h="1027">
@@ -9316,6 +9729,7 @@
                   </a:spcAft>
                   <a:buNone/>
                 </a:pPr>
+                <a:endParaRPr/>
               </a:p>
             </p:txBody>
           </p:sp>
@@ -9332,6 +9746,9 @@
               </a:xfrm>
               <a:custGeom>
                 <a:avLst/>
+                <a:gdLst/>
+                <a:ahLst/>
+                <a:cxnLst/>
                 <a:rect l="l" t="t" r="r" b="b"/>
                 <a:pathLst>
                   <a:path w="1030" h="1026">
@@ -9387,6 +9804,7 @@
                   </a:spcAft>
                   <a:buNone/>
                 </a:pPr>
+                <a:endParaRPr/>
               </a:p>
             </p:txBody>
           </p:sp>
@@ -9403,6 +9821,9 @@
               </a:xfrm>
               <a:custGeom>
                 <a:avLst/>
+                <a:gdLst/>
+                <a:ahLst/>
+                <a:cxnLst/>
                 <a:rect l="l" t="t" r="r" b="b"/>
                 <a:pathLst>
                   <a:path w="1026" h="1029">
@@ -9453,6 +9874,7 @@
                   </a:spcAft>
                   <a:buNone/>
                 </a:pPr>
+                <a:endParaRPr/>
               </a:p>
             </p:txBody>
           </p:sp>
@@ -9469,6 +9891,9 @@
               </a:xfrm>
               <a:custGeom>
                 <a:avLst/>
+                <a:gdLst/>
+                <a:ahLst/>
+                <a:cxnLst/>
                 <a:rect l="l" t="t" r="r" b="b"/>
                 <a:pathLst>
                   <a:path w="1030" h="1029">
@@ -9519,6 +9944,7 @@
                   </a:spcAft>
                   <a:buNone/>
                 </a:pPr>
+                <a:endParaRPr/>
               </a:p>
             </p:txBody>
           </p:sp>
@@ -9535,6 +9961,9 @@
               </a:xfrm>
               <a:custGeom>
                 <a:avLst/>
+                <a:gdLst/>
+                <a:ahLst/>
+                <a:cxnLst/>
                 <a:rect l="l" t="t" r="r" b="b"/>
                 <a:pathLst>
                   <a:path w="1026" h="1030">
@@ -9585,6 +10014,7 @@
                   </a:spcAft>
                   <a:buNone/>
                 </a:pPr>
+                <a:endParaRPr/>
               </a:p>
             </p:txBody>
           </p:sp>
@@ -9601,6 +10031,9 @@
               </a:xfrm>
               <a:custGeom>
                 <a:avLst/>
+                <a:gdLst/>
+                <a:ahLst/>
+                <a:cxnLst/>
                 <a:rect l="l" t="t" r="r" b="b"/>
                 <a:pathLst>
                   <a:path w="1030" h="1027">
@@ -9651,6 +10084,7 @@
                   </a:spcAft>
                   <a:buNone/>
                 </a:pPr>
+                <a:endParaRPr/>
               </a:p>
             </p:txBody>
           </p:sp>
@@ -9667,6 +10101,9 @@
               </a:xfrm>
               <a:custGeom>
                 <a:avLst/>
+                <a:gdLst/>
+                <a:ahLst/>
+                <a:cxnLst/>
                 <a:rect l="l" t="t" r="r" b="b"/>
                 <a:pathLst>
                   <a:path w="1029" h="1026">
@@ -9722,6 +10159,7 @@
                   </a:spcAft>
                   <a:buNone/>
                 </a:pPr>
+                <a:endParaRPr/>
               </a:p>
             </p:txBody>
           </p:sp>
@@ -9738,6 +10176,9 @@
               </a:xfrm>
               <a:custGeom>
                 <a:avLst/>
+                <a:gdLst/>
+                <a:ahLst/>
+                <a:cxnLst/>
                 <a:rect l="l" t="t" r="r" b="b"/>
                 <a:pathLst>
                   <a:path w="1027" h="1029">
@@ -9788,6 +10229,7 @@
                   </a:spcAft>
                   <a:buNone/>
                 </a:pPr>
+                <a:endParaRPr/>
               </a:p>
             </p:txBody>
           </p:sp>
@@ -9804,6 +10246,9 @@
               </a:xfrm>
               <a:custGeom>
                 <a:avLst/>
+                <a:gdLst/>
+                <a:ahLst/>
+                <a:cxnLst/>
                 <a:rect l="l" t="t" r="r" b="b"/>
                 <a:pathLst>
                   <a:path w="1030" h="1029">
@@ -9854,6 +10299,7 @@
                   </a:spcAft>
                   <a:buNone/>
                 </a:pPr>
+                <a:endParaRPr/>
               </a:p>
             </p:txBody>
           </p:sp>
@@ -9870,6 +10316,9 @@
               </a:xfrm>
               <a:custGeom>
                 <a:avLst/>
+                <a:gdLst/>
+                <a:ahLst/>
+                <a:cxnLst/>
                 <a:rect l="l" t="t" r="r" b="b"/>
                 <a:pathLst>
                   <a:path w="1025" h="1030">
@@ -9920,6 +10369,7 @@
                   </a:spcAft>
                   <a:buNone/>
                 </a:pPr>
+                <a:endParaRPr/>
               </a:p>
             </p:txBody>
           </p:sp>
@@ -9936,6 +10386,9 @@
               </a:xfrm>
               <a:custGeom>
                 <a:avLst/>
+                <a:gdLst/>
+                <a:ahLst/>
+                <a:cxnLst/>
                 <a:rect l="l" t="t" r="r" b="b"/>
                 <a:pathLst>
                   <a:path w="1029" h="1027">
@@ -9986,6 +10439,7 @@
                   </a:spcAft>
                   <a:buNone/>
                 </a:pPr>
+                <a:endParaRPr/>
               </a:p>
             </p:txBody>
           </p:sp>
@@ -10002,6 +10456,9 @@
               </a:xfrm>
               <a:custGeom>
                 <a:avLst/>
+                <a:gdLst/>
+                <a:ahLst/>
+                <a:cxnLst/>
                 <a:rect l="l" t="t" r="r" b="b"/>
                 <a:pathLst>
                   <a:path w="1029" h="1026">
@@ -10069,6 +10526,9 @@
               </a:xfrm>
               <a:custGeom>
                 <a:avLst/>
+                <a:gdLst/>
+                <a:ahLst/>
+                <a:cxnLst/>
                 <a:rect l="l" t="t" r="r" b="b"/>
                 <a:pathLst>
                   <a:path w="1030" h="1030">
@@ -10119,6 +10579,7 @@
                   </a:spcAft>
                   <a:buNone/>
                 </a:pPr>
+                <a:endParaRPr/>
               </a:p>
             </p:txBody>
           </p:sp>
@@ -10135,6 +10596,9 @@
               </a:xfrm>
               <a:custGeom>
                 <a:avLst/>
+                <a:gdLst/>
+                <a:ahLst/>
+                <a:cxnLst/>
                 <a:rect l="l" t="t" r="r" b="b"/>
                 <a:pathLst>
                   <a:path w="1030" h="1029">
@@ -10185,6 +10649,7 @@
                   </a:spcAft>
                   <a:buNone/>
                 </a:pPr>
+                <a:endParaRPr/>
               </a:p>
             </p:txBody>
           </p:sp>
@@ -10201,6 +10666,9 @@
               </a:xfrm>
               <a:custGeom>
                 <a:avLst/>
+                <a:gdLst/>
+                <a:ahLst/>
+                <a:cxnLst/>
                 <a:rect l="l" t="t" r="r" b="b"/>
                 <a:pathLst>
                   <a:path w="1029" h="1030">
@@ -10251,6 +10719,7 @@
                   </a:spcAft>
                   <a:buNone/>
                 </a:pPr>
+                <a:endParaRPr/>
               </a:p>
             </p:txBody>
           </p:sp>
@@ -10267,6 +10736,9 @@
               </a:xfrm>
               <a:custGeom>
                 <a:avLst/>
+                <a:gdLst/>
+                <a:ahLst/>
+                <a:cxnLst/>
                 <a:rect l="l" t="t" r="r" b="b"/>
                 <a:pathLst>
                   <a:path w="1029" h="1027">
@@ -10322,6 +10794,7 @@
                   </a:spcAft>
                   <a:buNone/>
                 </a:pPr>
+                <a:endParaRPr/>
               </a:p>
             </p:txBody>
           </p:sp>
@@ -10332,7 +10805,7 @@
   <p:clrMapOvr>
     <a:masterClrMapping/>
   </p:clrMapOvr>
-  <p:hf dt="0" sldNum="0" hdr="0" ftr="0"/>
+  <p:hf sldNum="0" hdr="0" ftr="0" dt="0"/>
 </p:sldLayout>
 </file>
 
@@ -10449,6 +10922,9 @@
           </a:xfrm>
           <a:custGeom>
             <a:avLst/>
+            <a:gdLst/>
+            <a:ahLst/>
+            <a:cxnLst/>
             <a:rect l="l" t="t" r="r" b="b"/>
             <a:pathLst>
               <a:path w="13067" h="13068">
@@ -10493,6 +10969,7 @@
               </a:spcAft>
               <a:buNone/>
             </a:pPr>
+            <a:endParaRPr/>
           </a:p>
         </p:txBody>
       </p:sp>
@@ -10509,6 +10986,9 @@
           </a:xfrm>
           <a:custGeom>
             <a:avLst/>
+            <a:gdLst/>
+            <a:ahLst/>
+            <a:cxnLst/>
             <a:rect l="l" t="t" r="r" b="b"/>
             <a:pathLst>
               <a:path w="7852" h="7775">
@@ -10646,6 +11126,7 @@
               </a:spcAft>
               <a:buNone/>
             </a:pPr>
+            <a:endParaRPr/>
           </a:p>
         </p:txBody>
       </p:sp>
@@ -10662,6 +11143,9 @@
           </a:xfrm>
           <a:custGeom>
             <a:avLst/>
+            <a:gdLst/>
+            <a:ahLst/>
+            <a:cxnLst/>
             <a:rect l="l" t="t" r="r" b="b"/>
             <a:pathLst>
               <a:path w="7852" h="7775">
@@ -10799,6 +11283,7 @@
               </a:spcAft>
               <a:buNone/>
             </a:pPr>
+            <a:endParaRPr/>
           </a:p>
         </p:txBody>
       </p:sp>
@@ -10815,6 +11300,9 @@
           </a:xfrm>
           <a:custGeom>
             <a:avLst/>
+            <a:gdLst/>
+            <a:ahLst/>
+            <a:cxnLst/>
             <a:rect l="l" t="t" r="r" b="b"/>
             <a:pathLst>
               <a:path w="7852" h="7775">
@@ -10952,6 +11440,7 @@
               </a:spcAft>
               <a:buNone/>
             </a:pPr>
+            <a:endParaRPr/>
           </a:p>
         </p:txBody>
       </p:sp>
@@ -10968,6 +11457,9 @@
           </a:xfrm>
           <a:custGeom>
             <a:avLst/>
+            <a:gdLst/>
+            <a:ahLst/>
+            <a:cxnLst/>
             <a:rect l="l" t="t" r="r" b="b"/>
             <a:pathLst>
               <a:path w="5646" h="5644">
@@ -11036,6 +11528,7 @@
               </a:spcAft>
               <a:buNone/>
             </a:pPr>
+            <a:endParaRPr/>
           </a:p>
         </p:txBody>
       </p:sp>
@@ -11066,6 +11559,9 @@
             </a:xfrm>
             <a:custGeom>
               <a:avLst/>
+              <a:gdLst/>
+              <a:ahLst/>
+              <a:cxnLst/>
               <a:rect l="l" t="t" r="r" b="b"/>
               <a:pathLst>
                 <a:path w="1205" h="1199">
@@ -11128,6 +11624,7 @@
                 </a:spcAft>
                 <a:buNone/>
               </a:pPr>
+              <a:endParaRPr/>
             </a:p>
           </p:txBody>
         </p:sp>
@@ -11144,6 +11641,9 @@
             </a:xfrm>
             <a:custGeom>
               <a:avLst/>
+              <a:gdLst/>
+              <a:ahLst/>
+              <a:cxnLst/>
               <a:rect l="l" t="t" r="r" b="b"/>
               <a:pathLst>
                 <a:path w="1206" h="1199">
@@ -11206,6 +11706,7 @@
                 </a:spcAft>
                 <a:buNone/>
               </a:pPr>
+              <a:endParaRPr/>
             </a:p>
           </p:txBody>
         </p:sp>
@@ -11222,6 +11723,9 @@
             </a:xfrm>
             <a:custGeom>
               <a:avLst/>
+              <a:gdLst/>
+              <a:ahLst/>
+              <a:cxnLst/>
               <a:rect l="l" t="t" r="r" b="b"/>
               <a:pathLst>
                 <a:path w="1206" h="1200">
@@ -11284,6 +11788,7 @@
                 </a:spcAft>
                 <a:buNone/>
               </a:pPr>
+              <a:endParaRPr/>
             </a:p>
           </p:txBody>
         </p:sp>
@@ -11300,6 +11805,9 @@
             </a:xfrm>
             <a:custGeom>
               <a:avLst/>
+              <a:gdLst/>
+              <a:ahLst/>
+              <a:cxnLst/>
               <a:rect l="l" t="t" r="r" b="b"/>
               <a:pathLst>
                 <a:path w="1206" h="1198">
@@ -11362,6 +11870,7 @@
                 </a:spcAft>
                 <a:buNone/>
               </a:pPr>
+              <a:endParaRPr/>
             </a:p>
           </p:txBody>
         </p:sp>
@@ -11378,6 +11887,9 @@
             </a:xfrm>
             <a:custGeom>
               <a:avLst/>
+              <a:gdLst/>
+              <a:ahLst/>
+              <a:cxnLst/>
               <a:rect l="l" t="t" r="r" b="b"/>
               <a:pathLst>
                 <a:path w="1206" h="1196">
@@ -11440,6 +11952,7 @@
                 </a:spcAft>
                 <a:buNone/>
               </a:pPr>
+              <a:endParaRPr/>
             </a:p>
           </p:txBody>
         </p:sp>
@@ -11456,6 +11969,9 @@
             </a:xfrm>
             <a:custGeom>
               <a:avLst/>
+              <a:gdLst/>
+              <a:ahLst/>
+              <a:cxnLst/>
               <a:rect l="l" t="t" r="r" b="b"/>
               <a:pathLst>
                 <a:path w="1205" h="1199">
@@ -11513,6 +12029,7 @@
                 </a:spcAft>
                 <a:buNone/>
               </a:pPr>
+              <a:endParaRPr/>
             </a:p>
           </p:txBody>
         </p:sp>
@@ -11529,6 +12046,9 @@
             </a:xfrm>
             <a:custGeom>
               <a:avLst/>
+              <a:gdLst/>
+              <a:ahLst/>
+              <a:cxnLst/>
               <a:rect l="l" t="t" r="r" b="b"/>
               <a:pathLst>
                 <a:path w="1205" h="1199">
@@ -11591,6 +12111,7 @@
                 </a:spcAft>
                 <a:buNone/>
               </a:pPr>
+              <a:endParaRPr/>
             </a:p>
           </p:txBody>
         </p:sp>
@@ -11607,6 +12128,9 @@
             </a:xfrm>
             <a:custGeom>
               <a:avLst/>
+              <a:gdLst/>
+              <a:ahLst/>
+              <a:cxnLst/>
               <a:rect l="l" t="t" r="r" b="b"/>
               <a:pathLst>
                 <a:path w="1203" h="1199">
@@ -11669,6 +12193,7 @@
                 </a:spcAft>
                 <a:buNone/>
               </a:pPr>
+              <a:endParaRPr/>
             </a:p>
           </p:txBody>
         </p:sp>
@@ -11685,6 +12210,9 @@
             </a:xfrm>
             <a:custGeom>
               <a:avLst/>
+              <a:gdLst/>
+              <a:ahLst/>
+              <a:cxnLst/>
               <a:rect l="l" t="t" r="r" b="b"/>
               <a:pathLst>
                 <a:path w="1203" h="1199">
@@ -11747,6 +12275,7 @@
                 </a:spcAft>
                 <a:buNone/>
               </a:pPr>
+              <a:endParaRPr/>
             </a:p>
           </p:txBody>
         </p:sp>
@@ -11763,6 +12292,9 @@
             </a:xfrm>
             <a:custGeom>
               <a:avLst/>
+              <a:gdLst/>
+              <a:ahLst/>
+              <a:cxnLst/>
               <a:rect l="l" t="t" r="r" b="b"/>
               <a:pathLst>
                 <a:path w="1205" h="1199">
@@ -11862,7 +12394,7 @@
                 <a:spcPts val="0"/>
               </a:spcAft>
               <a:buSzPct val="100000"/>
-              <a:buFont typeface="Arial" pitchFamily="34" charset="0" panose="020B0604020202020204"/>
+              <a:buFont typeface="Arial" panose="020B0604020202020204" pitchFamily="34" charset="0"/>
               <a:buNone/>
               <a:defRPr sz="1600">
                 <a:solidFill>
@@ -11944,7 +12476,7 @@
                 <a:spcPts val="0"/>
               </a:spcAft>
               <a:buSzPct val="100000"/>
-              <a:buFont typeface="Arial" pitchFamily="34" charset="0" panose="020B0604020202020204"/>
+              <a:buFont typeface="Arial" panose="020B0604020202020204" pitchFamily="34" charset="0"/>
               <a:buNone/>
               <a:defRPr sz="1600"/>
             </a:lvl1pPr>
@@ -11984,7 +12516,7 @@
   <p:clrMapOvr>
     <a:masterClrMapping/>
   </p:clrMapOvr>
-  <p:hf dt="0" sldNum="0" hdr="0" ftr="0"/>
+  <p:hf sldNum="0" hdr="0" ftr="0" dt="0"/>
 </p:sldLayout>
 </file>
 
@@ -12190,6 +12722,9 @@
             </a:xfrm>
             <a:custGeom>
               <a:avLst/>
+              <a:gdLst/>
+              <a:ahLst/>
+              <a:cxnLst/>
               <a:rect l="l" t="t" r="r" b="b"/>
               <a:pathLst>
                 <a:path w="13067" h="13068">
@@ -12234,6 +12769,7 @@
                 </a:spcAft>
                 <a:buNone/>
               </a:pPr>
+              <a:endParaRPr/>
             </a:p>
           </p:txBody>
         </p:sp>
@@ -12250,6 +12786,9 @@
             </a:xfrm>
             <a:custGeom>
               <a:avLst/>
+              <a:gdLst/>
+              <a:ahLst/>
+              <a:cxnLst/>
               <a:rect l="l" t="t" r="r" b="b"/>
               <a:pathLst>
                 <a:path w="7852" h="7775">
@@ -12387,6 +12926,7 @@
                 </a:spcAft>
                 <a:buNone/>
               </a:pPr>
+              <a:endParaRPr/>
             </a:p>
           </p:txBody>
         </p:sp>
@@ -12403,6 +12943,9 @@
             </a:xfrm>
             <a:custGeom>
               <a:avLst/>
+              <a:gdLst/>
+              <a:ahLst/>
+              <a:cxnLst/>
               <a:rect l="l" t="t" r="r" b="b"/>
               <a:pathLst>
                 <a:path w="7852" h="7775">
@@ -12540,6 +13083,7 @@
                 </a:spcAft>
                 <a:buNone/>
               </a:pPr>
+              <a:endParaRPr/>
             </a:p>
           </p:txBody>
         </p:sp>
@@ -12556,6 +13100,9 @@
             </a:xfrm>
             <a:custGeom>
               <a:avLst/>
+              <a:gdLst/>
+              <a:ahLst/>
+              <a:cxnLst/>
               <a:rect l="l" t="t" r="r" b="b"/>
               <a:pathLst>
                 <a:path w="7852" h="7775">
@@ -12693,6 +13240,7 @@
                 </a:spcAft>
                 <a:buNone/>
               </a:pPr>
+              <a:endParaRPr/>
             </a:p>
           </p:txBody>
         </p:sp>
@@ -12709,6 +13257,9 @@
             </a:xfrm>
             <a:custGeom>
               <a:avLst/>
+              <a:gdLst/>
+              <a:ahLst/>
+              <a:cxnLst/>
               <a:rect l="l" t="t" r="r" b="b"/>
               <a:pathLst>
                 <a:path w="5646" h="5644">
@@ -12777,6 +13328,7 @@
                 </a:spcAft>
                 <a:buNone/>
               </a:pPr>
+              <a:endParaRPr/>
             </a:p>
           </p:txBody>
         </p:sp>
@@ -12807,6 +13359,9 @@
               </a:xfrm>
               <a:custGeom>
                 <a:avLst/>
+                <a:gdLst/>
+                <a:ahLst/>
+                <a:cxnLst/>
                 <a:rect l="l" t="t" r="r" b="b"/>
                 <a:pathLst>
                   <a:path w="1205" h="1199">
@@ -12869,6 +13424,7 @@
                   </a:spcAft>
                   <a:buNone/>
                 </a:pPr>
+                <a:endParaRPr/>
               </a:p>
             </p:txBody>
           </p:sp>
@@ -12885,6 +13441,9 @@
               </a:xfrm>
               <a:custGeom>
                 <a:avLst/>
+                <a:gdLst/>
+                <a:ahLst/>
+                <a:cxnLst/>
                 <a:rect l="l" t="t" r="r" b="b"/>
                 <a:pathLst>
                   <a:path w="1206" h="1199">
@@ -12947,6 +13506,7 @@
                   </a:spcAft>
                   <a:buNone/>
                 </a:pPr>
+                <a:endParaRPr/>
               </a:p>
             </p:txBody>
           </p:sp>
@@ -12963,6 +13523,9 @@
               </a:xfrm>
               <a:custGeom>
                 <a:avLst/>
+                <a:gdLst/>
+                <a:ahLst/>
+                <a:cxnLst/>
                 <a:rect l="l" t="t" r="r" b="b"/>
                 <a:pathLst>
                   <a:path w="1206" h="1200">
@@ -13025,6 +13588,7 @@
                   </a:spcAft>
                   <a:buNone/>
                 </a:pPr>
+                <a:endParaRPr/>
               </a:p>
             </p:txBody>
           </p:sp>
@@ -13041,6 +13605,9 @@
               </a:xfrm>
               <a:custGeom>
                 <a:avLst/>
+                <a:gdLst/>
+                <a:ahLst/>
+                <a:cxnLst/>
                 <a:rect l="l" t="t" r="r" b="b"/>
                 <a:pathLst>
                   <a:path w="1206" h="1198">
@@ -13103,6 +13670,7 @@
                   </a:spcAft>
                   <a:buNone/>
                 </a:pPr>
+                <a:endParaRPr/>
               </a:p>
             </p:txBody>
           </p:sp>
@@ -13119,6 +13687,9 @@
               </a:xfrm>
               <a:custGeom>
                 <a:avLst/>
+                <a:gdLst/>
+                <a:ahLst/>
+                <a:cxnLst/>
                 <a:rect l="l" t="t" r="r" b="b"/>
                 <a:pathLst>
                   <a:path w="1206" h="1196">
@@ -13181,6 +13752,7 @@
                   </a:spcAft>
                   <a:buNone/>
                 </a:pPr>
+                <a:endParaRPr/>
               </a:p>
             </p:txBody>
           </p:sp>
@@ -13197,6 +13769,9 @@
               </a:xfrm>
               <a:custGeom>
                 <a:avLst/>
+                <a:gdLst/>
+                <a:ahLst/>
+                <a:cxnLst/>
                 <a:rect l="l" t="t" r="r" b="b"/>
                 <a:pathLst>
                   <a:path w="1205" h="1199">
@@ -13254,6 +13829,7 @@
                   </a:spcAft>
                   <a:buNone/>
                 </a:pPr>
+                <a:endParaRPr/>
               </a:p>
             </p:txBody>
           </p:sp>
@@ -13270,6 +13846,9 @@
               </a:xfrm>
               <a:custGeom>
                 <a:avLst/>
+                <a:gdLst/>
+                <a:ahLst/>
+                <a:cxnLst/>
                 <a:rect l="l" t="t" r="r" b="b"/>
                 <a:pathLst>
                   <a:path w="1205" h="1199">
@@ -13332,6 +13911,7 @@
                   </a:spcAft>
                   <a:buNone/>
                 </a:pPr>
+                <a:endParaRPr/>
               </a:p>
             </p:txBody>
           </p:sp>
@@ -13348,6 +13928,9 @@
               </a:xfrm>
               <a:custGeom>
                 <a:avLst/>
+                <a:gdLst/>
+                <a:ahLst/>
+                <a:cxnLst/>
                 <a:rect l="l" t="t" r="r" b="b"/>
                 <a:pathLst>
                   <a:path w="1203" h="1199">
@@ -13410,6 +13993,7 @@
                   </a:spcAft>
                   <a:buNone/>
                 </a:pPr>
+                <a:endParaRPr/>
               </a:p>
             </p:txBody>
           </p:sp>
@@ -13426,6 +14010,9 @@
               </a:xfrm>
               <a:custGeom>
                 <a:avLst/>
+                <a:gdLst/>
+                <a:ahLst/>
+                <a:cxnLst/>
                 <a:rect l="l" t="t" r="r" b="b"/>
                 <a:pathLst>
                   <a:path w="1203" h="1199">
@@ -13488,6 +14075,7 @@
                   </a:spcAft>
                   <a:buNone/>
                 </a:pPr>
+                <a:endParaRPr/>
               </a:p>
             </p:txBody>
           </p:sp>
@@ -13504,6 +14092,9 @@
               </a:xfrm>
               <a:custGeom>
                 <a:avLst/>
+                <a:gdLst/>
+                <a:ahLst/>
+                <a:cxnLst/>
                 <a:rect l="l" t="t" r="r" b="b"/>
                 <a:pathLst>
                   <a:path w="1205" h="1199">
@@ -13645,7 +14236,7 @@
   <p:clrMapOvr>
     <a:masterClrMapping/>
   </p:clrMapOvr>
-  <p:hf dt="0" sldNum="0" hdr="0" ftr="0"/>
+  <p:hf sldNum="0" hdr="0" ftr="0" dt="0"/>
 </p:sldLayout>
 </file>
 
@@ -13655,14 +14246,15 @@
     <p:bg>
       <p:bgPr>
         <a:blipFill>
-          <a:blip r:embed="rId1">
-            <a:lum bright="0" contrast="0"/>
+          <a:blip r:embed="rId2">
+            <a:lum/>
           </a:blip>
-          <a:srcRect l="0" t="0" r="0" b="0"/>
+          <a:srcRect/>
           <a:stretch>
             <a:fillRect/>
           </a:stretch>
         </a:blipFill>
+        <a:effectLst/>
       </p:bgPr>
     </p:bg>
     <p:spTree>
@@ -13874,6 +14466,9 @@
             </a:xfrm>
             <a:custGeom>
               <a:avLst/>
+              <a:gdLst/>
+              <a:ahLst/>
+              <a:cxnLst/>
               <a:rect l="l" t="t" r="r" b="b"/>
               <a:pathLst>
                 <a:path w="13067" h="13068">
@@ -13918,6 +14513,7 @@
                 </a:spcAft>
                 <a:buNone/>
               </a:pPr>
+              <a:endParaRPr/>
             </a:p>
           </p:txBody>
         </p:sp>
@@ -13934,6 +14530,9 @@
             </a:xfrm>
             <a:custGeom>
               <a:avLst/>
+              <a:gdLst/>
+              <a:ahLst/>
+              <a:cxnLst/>
               <a:rect l="l" t="t" r="r" b="b"/>
               <a:pathLst>
                 <a:path w="7852" h="7775">
@@ -14071,6 +14670,7 @@
                 </a:spcAft>
                 <a:buNone/>
               </a:pPr>
+              <a:endParaRPr/>
             </a:p>
           </p:txBody>
         </p:sp>
@@ -14087,6 +14687,9 @@
             </a:xfrm>
             <a:custGeom>
               <a:avLst/>
+              <a:gdLst/>
+              <a:ahLst/>
+              <a:cxnLst/>
               <a:rect l="l" t="t" r="r" b="b"/>
               <a:pathLst>
                 <a:path w="7852" h="7775">
@@ -14224,6 +14827,7 @@
                 </a:spcAft>
                 <a:buNone/>
               </a:pPr>
+              <a:endParaRPr/>
             </a:p>
           </p:txBody>
         </p:sp>
@@ -14240,6 +14844,9 @@
             </a:xfrm>
             <a:custGeom>
               <a:avLst/>
+              <a:gdLst/>
+              <a:ahLst/>
+              <a:cxnLst/>
               <a:rect l="l" t="t" r="r" b="b"/>
               <a:pathLst>
                 <a:path w="7852" h="7775">
@@ -14377,6 +14984,7 @@
                 </a:spcAft>
                 <a:buNone/>
               </a:pPr>
+              <a:endParaRPr/>
             </a:p>
           </p:txBody>
         </p:sp>
@@ -14393,6 +15001,9 @@
             </a:xfrm>
             <a:custGeom>
               <a:avLst/>
+              <a:gdLst/>
+              <a:ahLst/>
+              <a:cxnLst/>
               <a:rect l="l" t="t" r="r" b="b"/>
               <a:pathLst>
                 <a:path w="5646" h="5644">
@@ -14461,6 +15072,7 @@
                 </a:spcAft>
                 <a:buNone/>
               </a:pPr>
+              <a:endParaRPr/>
             </a:p>
           </p:txBody>
         </p:sp>
@@ -14491,6 +15103,9 @@
               </a:xfrm>
               <a:custGeom>
                 <a:avLst/>
+                <a:gdLst/>
+                <a:ahLst/>
+                <a:cxnLst/>
                 <a:rect l="l" t="t" r="r" b="b"/>
                 <a:pathLst>
                   <a:path w="1205" h="1199">
@@ -14553,6 +15168,7 @@
                   </a:spcAft>
                   <a:buNone/>
                 </a:pPr>
+                <a:endParaRPr/>
               </a:p>
             </p:txBody>
           </p:sp>
@@ -14569,6 +15185,9 @@
               </a:xfrm>
               <a:custGeom>
                 <a:avLst/>
+                <a:gdLst/>
+                <a:ahLst/>
+                <a:cxnLst/>
                 <a:rect l="l" t="t" r="r" b="b"/>
                 <a:pathLst>
                   <a:path w="1206" h="1199">
@@ -14631,6 +15250,7 @@
                   </a:spcAft>
                   <a:buNone/>
                 </a:pPr>
+                <a:endParaRPr/>
               </a:p>
             </p:txBody>
           </p:sp>
@@ -14647,6 +15267,9 @@
               </a:xfrm>
               <a:custGeom>
                 <a:avLst/>
+                <a:gdLst/>
+                <a:ahLst/>
+                <a:cxnLst/>
                 <a:rect l="l" t="t" r="r" b="b"/>
                 <a:pathLst>
                   <a:path w="1206" h="1200">
@@ -14709,6 +15332,7 @@
                   </a:spcAft>
                   <a:buNone/>
                 </a:pPr>
+                <a:endParaRPr/>
               </a:p>
             </p:txBody>
           </p:sp>
@@ -14725,6 +15349,9 @@
               </a:xfrm>
               <a:custGeom>
                 <a:avLst/>
+                <a:gdLst/>
+                <a:ahLst/>
+                <a:cxnLst/>
                 <a:rect l="l" t="t" r="r" b="b"/>
                 <a:pathLst>
                   <a:path w="1206" h="1198">
@@ -14787,6 +15414,7 @@
                   </a:spcAft>
                   <a:buNone/>
                 </a:pPr>
+                <a:endParaRPr/>
               </a:p>
             </p:txBody>
           </p:sp>
@@ -14803,6 +15431,9 @@
               </a:xfrm>
               <a:custGeom>
                 <a:avLst/>
+                <a:gdLst/>
+                <a:ahLst/>
+                <a:cxnLst/>
                 <a:rect l="l" t="t" r="r" b="b"/>
                 <a:pathLst>
                   <a:path w="1206" h="1196">
@@ -14865,6 +15496,7 @@
                   </a:spcAft>
                   <a:buNone/>
                 </a:pPr>
+                <a:endParaRPr/>
               </a:p>
             </p:txBody>
           </p:sp>
@@ -14881,6 +15513,9 @@
               </a:xfrm>
               <a:custGeom>
                 <a:avLst/>
+                <a:gdLst/>
+                <a:ahLst/>
+                <a:cxnLst/>
                 <a:rect l="l" t="t" r="r" b="b"/>
                 <a:pathLst>
                   <a:path w="1205" h="1199">
@@ -14938,6 +15573,7 @@
                   </a:spcAft>
                   <a:buNone/>
                 </a:pPr>
+                <a:endParaRPr/>
               </a:p>
             </p:txBody>
           </p:sp>
@@ -14954,6 +15590,9 @@
               </a:xfrm>
               <a:custGeom>
                 <a:avLst/>
+                <a:gdLst/>
+                <a:ahLst/>
+                <a:cxnLst/>
                 <a:rect l="l" t="t" r="r" b="b"/>
                 <a:pathLst>
                   <a:path w="1205" h="1199">
@@ -15016,6 +15655,7 @@
                   </a:spcAft>
                   <a:buNone/>
                 </a:pPr>
+                <a:endParaRPr/>
               </a:p>
             </p:txBody>
           </p:sp>
@@ -15032,6 +15672,9 @@
               </a:xfrm>
               <a:custGeom>
                 <a:avLst/>
+                <a:gdLst/>
+                <a:ahLst/>
+                <a:cxnLst/>
                 <a:rect l="l" t="t" r="r" b="b"/>
                 <a:pathLst>
                   <a:path w="1203" h="1199">
@@ -15094,6 +15737,7 @@
                   </a:spcAft>
                   <a:buNone/>
                 </a:pPr>
+                <a:endParaRPr/>
               </a:p>
             </p:txBody>
           </p:sp>
@@ -15110,6 +15754,9 @@
               </a:xfrm>
               <a:custGeom>
                 <a:avLst/>
+                <a:gdLst/>
+                <a:ahLst/>
+                <a:cxnLst/>
                 <a:rect l="l" t="t" r="r" b="b"/>
                 <a:pathLst>
                   <a:path w="1203" h="1199">
@@ -15172,6 +15819,7 @@
                   </a:spcAft>
                   <a:buNone/>
                 </a:pPr>
+                <a:endParaRPr/>
               </a:p>
             </p:txBody>
           </p:sp>
@@ -15188,6 +15836,9 @@
               </a:xfrm>
               <a:custGeom>
                 <a:avLst/>
+                <a:gdLst/>
+                <a:ahLst/>
+                <a:cxnLst/>
                 <a:rect l="l" t="t" r="r" b="b"/>
                 <a:pathLst>
                   <a:path w="1205" h="1199">
@@ -15294,7 +15945,7 @@
   <p:clrMapOvr>
     <a:masterClrMapping/>
   </p:clrMapOvr>
-  <p:hf dt="0" sldNum="0" hdr="0" ftr="0"/>
+  <p:hf sldNum="0" hdr="0" ftr="0" dt="0"/>
 </p:sldLayout>
 </file>
 
@@ -15308,6 +15959,7 @@
             <a:lumMod val="95000"/>
           </a:schemeClr>
         </a:solidFill>
+        <a:effectLst/>
       </p:bgPr>
     </p:bg>
     <p:spTree>
@@ -15592,6 +16244,9 @@
             </a:xfrm>
             <a:custGeom>
               <a:avLst/>
+              <a:gdLst/>
+              <a:ahLst/>
+              <a:cxnLst/>
               <a:rect l="l" t="t" r="r" b="b"/>
               <a:pathLst>
                 <a:path w="13067" h="13068">
@@ -15636,6 +16291,7 @@
                 </a:spcAft>
                 <a:buNone/>
               </a:pPr>
+              <a:endParaRPr/>
             </a:p>
           </p:txBody>
         </p:sp>
@@ -15652,6 +16308,9 @@
             </a:xfrm>
             <a:custGeom>
               <a:avLst/>
+              <a:gdLst/>
+              <a:ahLst/>
+              <a:cxnLst/>
               <a:rect l="l" t="t" r="r" b="b"/>
               <a:pathLst>
                 <a:path w="7852" h="7775">
@@ -15789,6 +16448,7 @@
                 </a:spcAft>
                 <a:buNone/>
               </a:pPr>
+              <a:endParaRPr/>
             </a:p>
           </p:txBody>
         </p:sp>
@@ -15805,6 +16465,9 @@
             </a:xfrm>
             <a:custGeom>
               <a:avLst/>
+              <a:gdLst/>
+              <a:ahLst/>
+              <a:cxnLst/>
               <a:rect l="l" t="t" r="r" b="b"/>
               <a:pathLst>
                 <a:path w="7852" h="7775">
@@ -15942,6 +16605,7 @@
                 </a:spcAft>
                 <a:buNone/>
               </a:pPr>
+              <a:endParaRPr/>
             </a:p>
           </p:txBody>
         </p:sp>
@@ -15958,6 +16622,9 @@
             </a:xfrm>
             <a:custGeom>
               <a:avLst/>
+              <a:gdLst/>
+              <a:ahLst/>
+              <a:cxnLst/>
               <a:rect l="l" t="t" r="r" b="b"/>
               <a:pathLst>
                 <a:path w="7852" h="7775">
@@ -16114,6 +16781,9 @@
             </a:xfrm>
             <a:custGeom>
               <a:avLst/>
+              <a:gdLst/>
+              <a:ahLst/>
+              <a:cxnLst/>
               <a:rect l="l" t="t" r="r" b="b"/>
               <a:pathLst>
                 <a:path w="5646" h="5644">
@@ -16182,6 +16852,7 @@
                 </a:spcAft>
                 <a:buNone/>
               </a:pPr>
+              <a:endParaRPr/>
             </a:p>
           </p:txBody>
         </p:sp>
@@ -16212,6 +16883,9 @@
               </a:xfrm>
               <a:custGeom>
                 <a:avLst/>
+                <a:gdLst/>
+                <a:ahLst/>
+                <a:cxnLst/>
                 <a:rect l="l" t="t" r="r" b="b"/>
                 <a:pathLst>
                   <a:path w="1205" h="1199">
@@ -16274,6 +16948,7 @@
                   </a:spcAft>
                   <a:buNone/>
                 </a:pPr>
+                <a:endParaRPr/>
               </a:p>
             </p:txBody>
           </p:sp>
@@ -16290,6 +16965,9 @@
               </a:xfrm>
               <a:custGeom>
                 <a:avLst/>
+                <a:gdLst/>
+                <a:ahLst/>
+                <a:cxnLst/>
                 <a:rect l="l" t="t" r="r" b="b"/>
                 <a:pathLst>
                   <a:path w="1206" h="1199">
@@ -16352,6 +17030,7 @@
                   </a:spcAft>
                   <a:buNone/>
                 </a:pPr>
+                <a:endParaRPr/>
               </a:p>
             </p:txBody>
           </p:sp>
@@ -16368,6 +17047,9 @@
               </a:xfrm>
               <a:custGeom>
                 <a:avLst/>
+                <a:gdLst/>
+                <a:ahLst/>
+                <a:cxnLst/>
                 <a:rect l="l" t="t" r="r" b="b"/>
                 <a:pathLst>
                   <a:path w="1206" h="1200">
@@ -16430,6 +17112,7 @@
                   </a:spcAft>
                   <a:buNone/>
                 </a:pPr>
+                <a:endParaRPr/>
               </a:p>
             </p:txBody>
           </p:sp>
@@ -16446,6 +17129,9 @@
               </a:xfrm>
               <a:custGeom>
                 <a:avLst/>
+                <a:gdLst/>
+                <a:ahLst/>
+                <a:cxnLst/>
                 <a:rect l="l" t="t" r="r" b="b"/>
                 <a:pathLst>
                   <a:path w="1206" h="1198">
@@ -16508,6 +17194,7 @@
                   </a:spcAft>
                   <a:buNone/>
                 </a:pPr>
+                <a:endParaRPr/>
               </a:p>
             </p:txBody>
           </p:sp>
@@ -16524,6 +17211,9 @@
               </a:xfrm>
               <a:custGeom>
                 <a:avLst/>
+                <a:gdLst/>
+                <a:ahLst/>
+                <a:cxnLst/>
                 <a:rect l="l" t="t" r="r" b="b"/>
                 <a:pathLst>
                   <a:path w="1206" h="1196">
@@ -16586,6 +17276,7 @@
                   </a:spcAft>
                   <a:buNone/>
                 </a:pPr>
+                <a:endParaRPr/>
               </a:p>
             </p:txBody>
           </p:sp>
@@ -16602,6 +17293,9 @@
               </a:xfrm>
               <a:custGeom>
                 <a:avLst/>
+                <a:gdLst/>
+                <a:ahLst/>
+                <a:cxnLst/>
                 <a:rect l="l" t="t" r="r" b="b"/>
                 <a:pathLst>
                   <a:path w="1205" h="1199">
@@ -16659,6 +17353,7 @@
                   </a:spcAft>
                   <a:buNone/>
                 </a:pPr>
+                <a:endParaRPr/>
               </a:p>
             </p:txBody>
           </p:sp>
@@ -16675,6 +17370,9 @@
               </a:xfrm>
               <a:custGeom>
                 <a:avLst/>
+                <a:gdLst/>
+                <a:ahLst/>
+                <a:cxnLst/>
                 <a:rect l="l" t="t" r="r" b="b"/>
                 <a:pathLst>
                   <a:path w="1205" h="1199">
@@ -16737,6 +17435,7 @@
                   </a:spcAft>
                   <a:buNone/>
                 </a:pPr>
+                <a:endParaRPr/>
               </a:p>
             </p:txBody>
           </p:sp>
@@ -16753,6 +17452,9 @@
               </a:xfrm>
               <a:custGeom>
                 <a:avLst/>
+                <a:gdLst/>
+                <a:ahLst/>
+                <a:cxnLst/>
                 <a:rect l="l" t="t" r="r" b="b"/>
                 <a:pathLst>
                   <a:path w="1203" h="1199">
@@ -16815,6 +17517,7 @@
                   </a:spcAft>
                   <a:buNone/>
                 </a:pPr>
+                <a:endParaRPr/>
               </a:p>
             </p:txBody>
           </p:sp>
@@ -16831,6 +17534,9 @@
               </a:xfrm>
               <a:custGeom>
                 <a:avLst/>
+                <a:gdLst/>
+                <a:ahLst/>
+                <a:cxnLst/>
                 <a:rect l="l" t="t" r="r" b="b"/>
                 <a:pathLst>
                   <a:path w="1203" h="1199">
@@ -16893,6 +17599,7 @@
                   </a:spcAft>
                   <a:buNone/>
                 </a:pPr>
+                <a:endParaRPr/>
               </a:p>
             </p:txBody>
           </p:sp>
@@ -16909,6 +17616,9 @@
               </a:xfrm>
               <a:custGeom>
                 <a:avLst/>
+                <a:gdLst/>
+                <a:ahLst/>
+                <a:cxnLst/>
                 <a:rect l="l" t="t" r="r" b="b"/>
                 <a:pathLst>
                   <a:path w="1205" h="1199">
@@ -16982,7 +17692,7 @@
   <p:clrMapOvr>
     <a:masterClrMapping/>
   </p:clrMapOvr>
-  <p:hf dt="0" sldNum="0" hdr="0" ftr="0"/>
+  <p:hf sldNum="0" hdr="0" ftr="0" dt="0"/>
 </p:sldLayout>
 </file>
 
@@ -16996,6 +17706,7 @@
             <a:lumMod val="95000"/>
           </a:schemeClr>
         </a:solidFill>
+        <a:effectLst/>
       </p:bgPr>
     </p:bg>
     <p:spTree>
@@ -17116,6 +17827,9 @@
             </a:xfrm>
             <a:custGeom>
               <a:avLst/>
+              <a:gdLst/>
+              <a:ahLst/>
+              <a:cxnLst/>
               <a:rect l="l" t="t" r="r" b="b"/>
               <a:pathLst>
                 <a:path w="13067" h="13068">
@@ -17160,6 +17874,7 @@
                 </a:spcAft>
                 <a:buNone/>
               </a:pPr>
+              <a:endParaRPr/>
             </a:p>
           </p:txBody>
         </p:sp>
@@ -17176,6 +17891,9 @@
             </a:xfrm>
             <a:custGeom>
               <a:avLst/>
+              <a:gdLst/>
+              <a:ahLst/>
+              <a:cxnLst/>
               <a:rect l="l" t="t" r="r" b="b"/>
               <a:pathLst>
                 <a:path w="7852" h="7775">
@@ -17313,6 +18031,7 @@
                 </a:spcAft>
                 <a:buNone/>
               </a:pPr>
+              <a:endParaRPr/>
             </a:p>
           </p:txBody>
         </p:sp>
@@ -17329,6 +18048,9 @@
             </a:xfrm>
             <a:custGeom>
               <a:avLst/>
+              <a:gdLst/>
+              <a:ahLst/>
+              <a:cxnLst/>
               <a:rect l="l" t="t" r="r" b="b"/>
               <a:pathLst>
                 <a:path w="7852" h="7775">
@@ -17466,6 +18188,7 @@
                 </a:spcAft>
                 <a:buNone/>
               </a:pPr>
+              <a:endParaRPr/>
             </a:p>
           </p:txBody>
         </p:sp>
@@ -17482,6 +18205,9 @@
             </a:xfrm>
             <a:custGeom>
               <a:avLst/>
+              <a:gdLst/>
+              <a:ahLst/>
+              <a:cxnLst/>
               <a:rect l="l" t="t" r="r" b="b"/>
               <a:pathLst>
                 <a:path w="7852" h="7775">
@@ -17638,6 +18364,9 @@
             </a:xfrm>
             <a:custGeom>
               <a:avLst/>
+              <a:gdLst/>
+              <a:ahLst/>
+              <a:cxnLst/>
               <a:rect l="l" t="t" r="r" b="b"/>
               <a:pathLst>
                 <a:path w="5646" h="5644">
@@ -17706,6 +18435,7 @@
                 </a:spcAft>
                 <a:buNone/>
               </a:pPr>
+              <a:endParaRPr/>
             </a:p>
           </p:txBody>
         </p:sp>
@@ -17736,6 +18466,9 @@
               </a:xfrm>
               <a:custGeom>
                 <a:avLst/>
+                <a:gdLst/>
+                <a:ahLst/>
+                <a:cxnLst/>
                 <a:rect l="l" t="t" r="r" b="b"/>
                 <a:pathLst>
                   <a:path w="1205" h="1199">
@@ -17798,6 +18531,7 @@
                   </a:spcAft>
                   <a:buNone/>
                 </a:pPr>
+                <a:endParaRPr/>
               </a:p>
             </p:txBody>
           </p:sp>
@@ -17814,6 +18548,9 @@
               </a:xfrm>
               <a:custGeom>
                 <a:avLst/>
+                <a:gdLst/>
+                <a:ahLst/>
+                <a:cxnLst/>
                 <a:rect l="l" t="t" r="r" b="b"/>
                 <a:pathLst>
                   <a:path w="1206" h="1199">
@@ -17876,6 +18613,7 @@
                   </a:spcAft>
                   <a:buNone/>
                 </a:pPr>
+                <a:endParaRPr/>
               </a:p>
             </p:txBody>
           </p:sp>
@@ -17892,6 +18630,9 @@
               </a:xfrm>
               <a:custGeom>
                 <a:avLst/>
+                <a:gdLst/>
+                <a:ahLst/>
+                <a:cxnLst/>
                 <a:rect l="l" t="t" r="r" b="b"/>
                 <a:pathLst>
                   <a:path w="1206" h="1200">
@@ -17954,6 +18695,7 @@
                   </a:spcAft>
                   <a:buNone/>
                 </a:pPr>
+                <a:endParaRPr/>
               </a:p>
             </p:txBody>
           </p:sp>
@@ -17970,6 +18712,9 @@
               </a:xfrm>
               <a:custGeom>
                 <a:avLst/>
+                <a:gdLst/>
+                <a:ahLst/>
+                <a:cxnLst/>
                 <a:rect l="l" t="t" r="r" b="b"/>
                 <a:pathLst>
                   <a:path w="1206" h="1198">
@@ -18032,6 +18777,7 @@
                   </a:spcAft>
                   <a:buNone/>
                 </a:pPr>
+                <a:endParaRPr/>
               </a:p>
             </p:txBody>
           </p:sp>
@@ -18048,6 +18794,9 @@
               </a:xfrm>
               <a:custGeom>
                 <a:avLst/>
+                <a:gdLst/>
+                <a:ahLst/>
+                <a:cxnLst/>
                 <a:rect l="l" t="t" r="r" b="b"/>
                 <a:pathLst>
                   <a:path w="1206" h="1196">
@@ -18110,6 +18859,7 @@
                   </a:spcAft>
                   <a:buNone/>
                 </a:pPr>
+                <a:endParaRPr/>
               </a:p>
             </p:txBody>
           </p:sp>
@@ -18126,6 +18876,9 @@
               </a:xfrm>
               <a:custGeom>
                 <a:avLst/>
+                <a:gdLst/>
+                <a:ahLst/>
+                <a:cxnLst/>
                 <a:rect l="l" t="t" r="r" b="b"/>
                 <a:pathLst>
                   <a:path w="1205" h="1199">
@@ -18183,6 +18936,7 @@
                   </a:spcAft>
                   <a:buNone/>
                 </a:pPr>
+                <a:endParaRPr/>
               </a:p>
             </p:txBody>
           </p:sp>
@@ -18199,6 +18953,9 @@
               </a:xfrm>
               <a:custGeom>
                 <a:avLst/>
+                <a:gdLst/>
+                <a:ahLst/>
+                <a:cxnLst/>
                 <a:rect l="l" t="t" r="r" b="b"/>
                 <a:pathLst>
                   <a:path w="1205" h="1199">
@@ -18261,6 +19018,7 @@
                   </a:spcAft>
                   <a:buNone/>
                 </a:pPr>
+                <a:endParaRPr/>
               </a:p>
             </p:txBody>
           </p:sp>
@@ -18277,6 +19035,9 @@
               </a:xfrm>
               <a:custGeom>
                 <a:avLst/>
+                <a:gdLst/>
+                <a:ahLst/>
+                <a:cxnLst/>
                 <a:rect l="l" t="t" r="r" b="b"/>
                 <a:pathLst>
                   <a:path w="1203" h="1199">
@@ -18339,6 +19100,7 @@
                   </a:spcAft>
                   <a:buNone/>
                 </a:pPr>
+                <a:endParaRPr/>
               </a:p>
             </p:txBody>
           </p:sp>
@@ -18355,6 +19117,9 @@
               </a:xfrm>
               <a:custGeom>
                 <a:avLst/>
+                <a:gdLst/>
+                <a:ahLst/>
+                <a:cxnLst/>
                 <a:rect l="l" t="t" r="r" b="b"/>
                 <a:pathLst>
                   <a:path w="1203" h="1199">
@@ -18417,6 +19182,7 @@
                   </a:spcAft>
                   <a:buNone/>
                 </a:pPr>
+                <a:endParaRPr/>
               </a:p>
             </p:txBody>
           </p:sp>
@@ -18433,6 +19199,9 @@
               </a:xfrm>
               <a:custGeom>
                 <a:avLst/>
+                <a:gdLst/>
+                <a:ahLst/>
+                <a:cxnLst/>
                 <a:rect l="l" t="t" r="r" b="b"/>
                 <a:pathLst>
                   <a:path w="1205" h="1199">
@@ -18589,7 +19358,7 @@
   <p:clrMapOvr>
     <a:masterClrMapping/>
   </p:clrMapOvr>
-  <p:hf dt="0" sldNum="0" hdr="0" ftr="0"/>
+  <p:hf sldNum="0" hdr="0" ftr="0" dt="0"/>
 </p:sldLayout>
 </file>
 
@@ -18603,6 +19372,7 @@
             <a:lumMod val="75000"/>
           </a:schemeClr>
         </a:solidFill>
+        <a:effectLst/>
       </p:bgPr>
     </p:bg>
     <p:spTree>
@@ -18654,7 +19424,7 @@
           <a:p>
             <a:fld id="{E03B7ED9-F57E-4011-AACC-D73E6795F401}" type="datetimeFigureOut">
               <a:rPr lang="en-US" smtClean="0"/>
-              <a:t>1/21/2025</a:t>
+              <a:t>1/28/2025</a:t>
             </a:fld>
             <a:endParaRPr lang="en-US"/>
           </a:p>
@@ -18831,7 +19601,7 @@
         <a:spcBef>
           <a:spcPts val="1000"/>
         </a:spcBef>
-        <a:buFont typeface="Arial" pitchFamily="34" charset="0" panose="020B0604020202020204"/>
+        <a:buFont typeface="Arial" panose="020B0604020202020204" pitchFamily="34" charset="0"/>
         <a:buChar char="•"/>
         <a:defRPr sz="2800" kern="1200">
           <a:solidFill>
@@ -18849,7 +19619,7 @@
         <a:spcBef>
           <a:spcPts val="500"/>
         </a:spcBef>
-        <a:buFont typeface="Arial" pitchFamily="34" charset="0" panose="020B0604020202020204"/>
+        <a:buFont typeface="Arial" panose="020B0604020202020204" pitchFamily="34" charset="0"/>
         <a:buChar char="•"/>
         <a:defRPr sz="2400" kern="1200">
           <a:solidFill>
@@ -18867,7 +19637,7 @@
         <a:spcBef>
           <a:spcPts val="500"/>
         </a:spcBef>
-        <a:buFont typeface="Arial" pitchFamily="34" charset="0" panose="020B0604020202020204"/>
+        <a:buFont typeface="Arial" panose="020B0604020202020204" pitchFamily="34" charset="0"/>
         <a:buChar char="•"/>
         <a:defRPr sz="2000" kern="1200">
           <a:solidFill>
@@ -18885,7 +19655,7 @@
         <a:spcBef>
           <a:spcPts val="500"/>
         </a:spcBef>
-        <a:buFont typeface="Arial" pitchFamily="34" charset="0" panose="020B0604020202020204"/>
+        <a:buFont typeface="Arial" panose="020B0604020202020204" pitchFamily="34" charset="0"/>
         <a:buChar char="•"/>
         <a:defRPr sz="1800" kern="1200">
           <a:solidFill>
@@ -18903,7 +19673,7 @@
         <a:spcBef>
           <a:spcPts val="500"/>
         </a:spcBef>
-        <a:buFont typeface="Arial" pitchFamily="34" charset="0" panose="020B0604020202020204"/>
+        <a:buFont typeface="Arial" panose="020B0604020202020204" pitchFamily="34" charset="0"/>
         <a:buChar char="•"/>
         <a:defRPr sz="1800" kern="1200">
           <a:solidFill>
@@ -18921,7 +19691,7 @@
         <a:spcBef>
           <a:spcPts val="500"/>
         </a:spcBef>
-        <a:buFont typeface="Arial" pitchFamily="34" charset="0" panose="020B0604020202020204"/>
+        <a:buFont typeface="Arial" panose="020B0604020202020204" pitchFamily="34" charset="0"/>
         <a:buChar char="•"/>
         <a:defRPr sz="1800" kern="1200">
           <a:solidFill>
@@ -18939,7 +19709,7 @@
         <a:spcBef>
           <a:spcPts val="500"/>
         </a:spcBef>
-        <a:buFont typeface="Arial" pitchFamily="34" charset="0" panose="020B0604020202020204"/>
+        <a:buFont typeface="Arial" panose="020B0604020202020204" pitchFamily="34" charset="0"/>
         <a:buChar char="•"/>
         <a:defRPr sz="1800" kern="1200">
           <a:solidFill>
@@ -18957,7 +19727,7 @@
         <a:spcBef>
           <a:spcPts val="500"/>
         </a:spcBef>
-        <a:buFont typeface="Arial" pitchFamily="34" charset="0" panose="020B0604020202020204"/>
+        <a:buFont typeface="Arial" panose="020B0604020202020204" pitchFamily="34" charset="0"/>
         <a:buChar char="•"/>
         <a:defRPr sz="1800" kern="1200">
           <a:solidFill>
@@ -18975,7 +19745,7 @@
         <a:spcBef>
           <a:spcPts val="500"/>
         </a:spcBef>
-        <a:buFont typeface="Arial" pitchFamily="34" charset="0" panose="020B0604020202020204"/>
+        <a:buFont typeface="Arial" panose="020B0604020202020204" pitchFamily="34" charset="0"/>
         <a:buChar char="•"/>
         <a:defRPr sz="1800" kern="1200">
           <a:solidFill>
@@ -19323,9 +20093,9 @@
       </p:sp>
       <p:sp>
         <p:nvSpPr>
-          <p:cNvPr id="4" name="Текстов контейнер 3"/>
+          <p:cNvPr id="6" name="Текст 5"/>
           <p:cNvSpPr>
-            <a:spLocks noGrp="1" noEditPoints="1"/>
+            <a:spLocks noGrp="1"/>
           </p:cNvSpPr>
           <p:nvPr>
             <p:ph type="body" sz="quarter" idx="13"/>
@@ -19333,8 +20103,8 @@
         </p:nvSpPr>
         <p:spPr>
           <a:xfrm>
-            <a:off x="5444836" y="1877599"/>
-            <a:ext cx="722284" cy="1650910"/>
+            <a:off x="682039" y="2354094"/>
+            <a:ext cx="6550901" cy="1945343"/>
           </a:xfrm>
         </p:spPr>
         <p:txBody>
@@ -19342,10 +20112,40 @@
           <a:lstStyle/>
           <a:p>
             <a:r>
+              <a:rPr lang="ru-RU" b="1" i="1" u="sng" dirty="0"/>
+              <a:t>Описание идеи:</a:t>
+            </a:r>
+            <a:r>
+              <a:rPr lang="ru-RU" i="1" u="sng" dirty="0"/>
+              <a:t> </a:t>
+            </a:r>
+            <a:r>
+              <a:rPr lang="ru-RU" i="1" dirty="0"/>
+              <a:t> </a:t>
+            </a:r>
+            <a:r>
               <a:rPr lang="en-US" dirty="0"/>
-              <a:t>p.2</a:t>
+              <a:t>2D-платформенная игра, вдохновленная Кирби, где игрок управляе</a:t>
             </a:r>
-            <a:endParaRPr lang="bg-BG" dirty="0"/>
+            <a:r>
+              <a:rPr lang="ru-RU" dirty="0" smtClean="0"/>
+              <a:t>т</a:t>
+            </a:r>
+            <a:r>
+              <a:rPr lang="en-US" dirty="0" smtClean="0"/>
+              <a:t> персонажем</a:t>
+            </a:r>
+            <a:r>
+              <a:rPr lang="en-US" dirty="0"/>
+              <a:t>, способным "впитывать" способности врагов для преодоления препятствий .</a:t>
+            </a:r>
+            <a:r>
+              <a:rPr lang="ru-RU" dirty="0"/>
+              <a:t>Сопровождается звуковыми эффектами.</a:t>
+            </a:r>
+          </a:p>
+          <a:p>
+            <a:endParaRPr lang="ru-RU" dirty="0"/>
           </a:p>
         </p:txBody>
       </p:sp>
@@ -19376,65 +20176,6 @@
       </p:grpSpPr>
       <p:sp>
         <p:nvSpPr>
-          <p:cNvPr id="2" name="Заглавие 1"/>
-          <p:cNvSpPr>
-            <a:spLocks noGrp="1" noEditPoints="1"/>
-          </p:cNvSpPr>
-          <p:nvPr>
-            <p:ph type="ctrTitle"/>
-          </p:nvPr>
-        </p:nvSpPr>
-        <p:spPr>
-          <a:xfrm>
-            <a:off x="682039" y="1195548"/>
-            <a:ext cx="1584820" cy="462836"/>
-          </a:xfrm>
-        </p:spPr>
-        <p:txBody>
-          <a:bodyPr/>
-          <a:lstStyle/>
-          <a:p>
-            <a:r>
-              <a:rPr lang="ru-RU" sz="2400" dirty="0">
-                <a:solidFill>
-                  <a:srgbClr val="FFC000"/>
-                </a:solidFill>
-              </a:rPr>
-              <a:t>Правила</a:t>
-            </a:r>
-            <a:endParaRPr lang="bg-BG" sz="6600" dirty="0">
-              <a:solidFill>
-                <a:srgbClr val="FFC000"/>
-              </a:solidFill>
-            </a:endParaRPr>
-          </a:p>
-        </p:txBody>
-      </p:sp>
-      <p:sp>
-        <p:nvSpPr>
-          <p:cNvPr id="3" name="Подзаглавие 2"/>
-          <p:cNvSpPr>
-            <a:spLocks noGrp="1" noEditPoints="1"/>
-          </p:cNvSpPr>
-          <p:nvPr>
-            <p:ph type="subTitle" idx="1"/>
-          </p:nvPr>
-        </p:nvSpPr>
-        <p:spPr/>
-        <p:txBody>
-          <a:bodyPr/>
-          <a:lstStyle/>
-          <a:p>
-            <a:r>
-              <a:rPr lang="en-US" dirty="0"/>
-              <a:t>A brief description of the slide content</a:t>
-            </a:r>
-            <a:endParaRPr lang="bg-BG" dirty="0"/>
-          </a:p>
-        </p:txBody>
-      </p:sp>
-      <p:sp>
-        <p:nvSpPr>
           <p:cNvPr id="4" name="Текстов контейнер 3"/>
           <p:cNvSpPr>
             <a:spLocks noGrp="1" noEditPoints="1"/>
@@ -19455,6 +20196,64 @@
               <a:t>.01</a:t>
             </a:r>
             <a:endParaRPr lang="bg-BG" sz="2200" dirty="0"/>
+          </a:p>
+        </p:txBody>
+      </p:sp>
+      <p:sp>
+        <p:nvSpPr>
+          <p:cNvPr id="5" name="Заголовок 4"/>
+          <p:cNvSpPr>
+            <a:spLocks noGrp="1"/>
+          </p:cNvSpPr>
+          <p:nvPr>
+            <p:ph type="ctrTitle"/>
+          </p:nvPr>
+        </p:nvSpPr>
+        <p:spPr>
+          <a:xfrm>
+            <a:off x="682039" y="1195548"/>
+            <a:ext cx="8321284" cy="3183021"/>
+          </a:xfrm>
+        </p:spPr>
+        <p:txBody>
+          <a:bodyPr/>
+          <a:lstStyle/>
+          <a:p>
+            <a:r>
+              <a:rPr lang="ru-RU" dirty="0" smtClean="0"/>
+              <a:t>Задача игрока дойти до конца уровня живым. Убить как можно больше монстриков, получив за них звездочки</a:t>
+            </a:r>
+            <a:endParaRPr lang="ru-RU" dirty="0"/>
+          </a:p>
+        </p:txBody>
+      </p:sp>
+      <p:sp>
+        <p:nvSpPr>
+          <p:cNvPr id="6" name="Подзаголовок 5"/>
+          <p:cNvSpPr>
+            <a:spLocks noGrp="1"/>
+          </p:cNvSpPr>
+          <p:nvPr>
+            <p:ph type="subTitle" idx="1"/>
+          </p:nvPr>
+        </p:nvSpPr>
+        <p:spPr>
+          <a:xfrm>
+            <a:off x="682802" y="1171082"/>
+            <a:ext cx="5764036" cy="803650"/>
+          </a:xfrm>
+        </p:spPr>
+        <p:txBody>
+          <a:bodyPr>
+            <a:noAutofit/>
+          </a:bodyPr>
+          <a:lstStyle/>
+          <a:p>
+            <a:r>
+              <a:rPr lang="ru-RU" sz="5400" b="1" i="1" u="sng" dirty="0" smtClean="0"/>
+              <a:t>ПРАВИЛА</a:t>
+            </a:r>
+            <a:endParaRPr lang="ru-RU" sz="5400" b="1" i="1" u="sng" dirty="0"/>
           </a:p>
         </p:txBody>
       </p:sp>
@@ -19537,17 +20336,35 @@
           </p:nvPr>
         </p:nvSpPr>
         <p:spPr>
+          <a:xfrm>
+            <a:off x="747368" y="3336352"/>
+            <a:ext cx="5764036" cy="1569755"/>
+          </a:xfrm>
           <a:noFill/>
         </p:spPr>
         <p:txBody>
-          <a:bodyPr/>
+          <a:bodyPr>
+            <a:normAutofit/>
+          </a:bodyPr>
           <a:lstStyle/>
           <a:p>
             <a:r>
-              <a:rPr lang="en-US" dirty="0"/>
-              <a:t>A brief description of the slide content</a:t>
+              <a:rPr lang="ru-RU" sz="3200" dirty="0" smtClean="0">
+                <a:solidFill>
+                  <a:schemeClr val="bg2">
+                    <a:lumMod val="75000"/>
+                  </a:schemeClr>
+                </a:solidFill>
+              </a:rPr>
+              <a:t>Победить врагов. Дойти до конца не растеряв все жизни. Получать звездочки.</a:t>
             </a:r>
-            <a:endParaRPr lang="bg-BG" dirty="0"/>
+            <a:endParaRPr lang="bg-BG" sz="3200" dirty="0">
+              <a:solidFill>
+                <a:schemeClr val="bg2">
+                  <a:lumMod val="75000"/>
+                </a:schemeClr>
+              </a:solidFill>
+            </a:endParaRPr>
           </a:p>
         </p:txBody>
       </p:sp>
@@ -19632,7 +20449,12 @@
             <p:ph type="subTitle" idx="1"/>
           </p:nvPr>
         </p:nvSpPr>
-        <p:spPr/>
+        <p:spPr>
+          <a:xfrm>
+            <a:off x="682039" y="1157601"/>
+            <a:ext cx="6550034" cy="531110"/>
+          </a:xfrm>
+        </p:spPr>
         <p:txBody>
           <a:bodyPr/>
           <a:lstStyle/>
@@ -19645,36 +20467,29 @@
           </a:p>
         </p:txBody>
       </p:sp>
-      <p:sp>
-        <p:nvSpPr>
-          <p:cNvPr id="4" name="Текстов контейнер 3"/>
-          <p:cNvSpPr>
-            <a:spLocks noGrp="1" noEditPoints="1"/>
-          </p:cNvSpPr>
-          <p:nvPr>
-            <p:ph type="body" sz="quarter" idx="13"/>
-          </p:nvPr>
-        </p:nvSpPr>
-        <p:spPr/>
-        <p:txBody>
-          <a:bodyPr>
-            <a:normAutofit/>
-          </a:bodyPr>
-          <a:lstStyle/>
-          <a:p>
-            <a:pPr>
-              <a:lnSpc>
-                <a:spcPct val="150000"/>
-              </a:lnSpc>
-            </a:pPr>
-            <a:endParaRPr lang="bg-BG" sz="1400" dirty="0">
-              <a:solidFill>
-                <a:schemeClr val="accent2"/>
-              </a:solidFill>
-            </a:endParaRPr>
-          </a:p>
-        </p:txBody>
-      </p:sp>
+      <p:pic>
+        <p:nvPicPr>
+          <p:cNvPr id="5" name="Picture 2"/>
+          <p:cNvPicPr/>
+          <p:nvPr/>
+        </p:nvPicPr>
+        <p:blipFill>
+          <a:blip r:embed="rId3"/>
+          <a:srcRect/>
+          <a:stretch>
+            <a:fillRect/>
+          </a:stretch>
+        </p:blipFill>
+        <p:spPr>
+          <a:xfrm>
+            <a:off x="682039" y="1926103"/>
+            <a:ext cx="4282440" cy="3855085"/>
+          </a:xfrm>
+          <a:prstGeom prst="rect">
+            <a:avLst/>
+          </a:prstGeom>
+        </p:spPr>
+      </p:pic>
     </p:spTree>
   </p:cSld>
   <p:clrMapOvr>
@@ -19811,6 +20626,7 @@
         <a:solidFill>
           <a:srgbClr val="010000"/>
         </a:solidFill>
+        <a:effectLst/>
       </p:bgPr>
     </p:bg>
     <p:spTree>
@@ -19836,7 +20652,7 @@
           <p:nvPr/>
         </p:nvPicPr>
         <p:blipFill>
-          <a:blip r:embed="rId1"/>
+          <a:blip r:embed="rId3"/>
           <a:srcRect/>
           <a:stretch>
             <a:fillRect/>
@@ -20134,7 +20950,7 @@
                     <a:lumMod val="75000"/>
                   </a:schemeClr>
                 </a:solidFill>
-                <a:sym typeface="Wingdings" pitchFamily="2" charset="2" panose="05000000000000000000"/>
+                <a:sym typeface="Wingdings" panose="05000000000000000000" pitchFamily="2" charset="2"/>
               </a:rPr>
               <a:t></a:t>
             </a:r>
